--- a/help/Laptop Setup.pptx
+++ b/help/Laptop Setup.pptx
@@ -14,11 +14,16 @@
     <p:sldId id="262" r:id="rId8"/>
     <p:sldId id="263" r:id="rId9"/>
     <p:sldId id="264" r:id="rId10"/>
-    <p:sldId id="265" r:id="rId11"/>
-    <p:sldId id="266" r:id="rId12"/>
-    <p:sldId id="267" r:id="rId13"/>
-    <p:sldId id="268" r:id="rId14"/>
-    <p:sldId id="269" r:id="rId15"/>
+    <p:sldId id="270" r:id="rId11"/>
+    <p:sldId id="265" r:id="rId12"/>
+    <p:sldId id="266" r:id="rId13"/>
+    <p:sldId id="271" r:id="rId14"/>
+    <p:sldId id="272" r:id="rId15"/>
+    <p:sldId id="273" r:id="rId16"/>
+    <p:sldId id="267" r:id="rId17"/>
+    <p:sldId id="274" r:id="rId18"/>
+    <p:sldId id="268" r:id="rId19"/>
+    <p:sldId id="269" r:id="rId20"/>
   </p:sldIdLst>
   <p:sldSz cx="12192000" cy="6858000"/>
   <p:notesSz cx="6858000" cy="9144000"/>
@@ -117,6 +122,11 @@
       </a:defRPr>
     </a:lvl9pPr>
   </p:defaultTextStyle>
+  <p:extLst>
+    <p:ext uri="{EFAFB233-063F-42B5-8137-9DF3F51BA10A}">
+      <p15:sldGuideLst xmlns:p15="http://schemas.microsoft.com/office/powerpoint/2012/main"/>
+    </p:ext>
+  </p:extLst>
 </p:presentation>
 </file>
 
@@ -3422,7 +3432,7 @@
           <p:cNvPr id="2" name="Title 1">
             <a:extLst>
               <a:ext uri="{FF2B5EF4-FFF2-40B4-BE49-F238E27FC236}">
-                <a16:creationId xmlns:a16="http://schemas.microsoft.com/office/drawing/2014/main" id="{ADAD5260-B5D0-425D-EAC0-9D3CC15C2254}"/>
+                <a16:creationId xmlns:a16="http://schemas.microsoft.com/office/drawing/2014/main" id="{7390E164-DB0F-CC83-EC62-9F69219470F1}"/>
               </a:ext>
             </a:extLst>
           </p:cNvPr>
@@ -3438,10 +3448,7 @@
           <a:bodyPr/>
           <a:lstStyle/>
           <a:p>
-            <a:r>
-              <a:rPr lang="en-US" dirty="0"/>
-              <a:t>Step 9. Commit Changes</a:t>
-            </a:r>
+            <a:endParaRPr lang="en-US"/>
           </a:p>
         </p:txBody>
       </p:sp>
@@ -3450,7 +3457,7 @@
           <p:cNvPr id="3" name="Content Placeholder 2">
             <a:extLst>
               <a:ext uri="{FF2B5EF4-FFF2-40B4-BE49-F238E27FC236}">
-                <a16:creationId xmlns:a16="http://schemas.microsoft.com/office/drawing/2014/main" id="{052A7ED4-1046-475F-9537-76CF36ED8C0A}"/>
+                <a16:creationId xmlns:a16="http://schemas.microsoft.com/office/drawing/2014/main" id="{F9395696-92D5-254F-D013-7D7A8761B109}"/>
               </a:ext>
             </a:extLst>
           </p:cNvPr>
@@ -3466,25 +3473,44 @@
           <a:bodyPr/>
           <a:lstStyle/>
           <a:p>
-            <a:r>
-              <a:rPr lang="en-US" dirty="0"/>
-              <a:t>Commit the changes, and push. It will probably prompt for </a:t>
-            </a:r>
-            <a:r>
-              <a:rPr lang="en-US" dirty="0" err="1"/>
-              <a:t>github</a:t>
-            </a:r>
-            <a:r>
-              <a:rPr lang="en-US" dirty="0"/>
-              <a:t> registration/login and then sync all files.</a:t>
-            </a:r>
-          </a:p>
-        </p:txBody>
-      </p:sp>
+            <a:endParaRPr lang="en-US"/>
+          </a:p>
+        </p:txBody>
+      </p:sp>
+      <p:pic>
+        <p:nvPicPr>
+          <p:cNvPr id="5" name="Picture 4">
+            <a:extLst>
+              <a:ext uri="{FF2B5EF4-FFF2-40B4-BE49-F238E27FC236}">
+                <a16:creationId xmlns:a16="http://schemas.microsoft.com/office/drawing/2014/main" id="{5BF88494-6065-B240-99C2-2C4AC187549D}"/>
+              </a:ext>
+            </a:extLst>
+          </p:cNvPr>
+          <p:cNvPicPr>
+            <a:picLocks noChangeAspect="1"/>
+          </p:cNvPicPr>
+          <p:nvPr/>
+        </p:nvPicPr>
+        <p:blipFill>
+          <a:blip r:embed="rId2"/>
+          <a:stretch>
+            <a:fillRect/>
+          </a:stretch>
+        </p:blipFill>
+        <p:spPr>
+          <a:xfrm>
+            <a:off x="647832" y="0"/>
+            <a:ext cx="10896336" cy="6858000"/>
+          </a:xfrm>
+          <a:prstGeom prst="rect">
+            <a:avLst/>
+          </a:prstGeom>
+        </p:spPr>
+      </p:pic>
     </p:spTree>
     <p:extLst>
       <p:ext uri="{BB962C8B-B14F-4D97-AF65-F5344CB8AC3E}">
-        <p14:creationId xmlns:p14="http://schemas.microsoft.com/office/powerpoint/2010/main" val="1808178597"/>
+        <p14:creationId xmlns:p14="http://schemas.microsoft.com/office/powerpoint/2010/main" val="170497550"/>
       </p:ext>
     </p:extLst>
   </p:cSld>
@@ -3516,7 +3542,7 @@
           <p:cNvPr id="2" name="Title 1">
             <a:extLst>
               <a:ext uri="{FF2B5EF4-FFF2-40B4-BE49-F238E27FC236}">
-                <a16:creationId xmlns:a16="http://schemas.microsoft.com/office/drawing/2014/main" id="{CD179645-3EE1-6B61-C7A0-924175A1E01F}"/>
+                <a16:creationId xmlns:a16="http://schemas.microsoft.com/office/drawing/2014/main" id="{ADAD5260-B5D0-425D-EAC0-9D3CC15C2254}"/>
               </a:ext>
             </a:extLst>
           </p:cNvPr>
@@ -3534,89 +3560,377 @@
           <a:p>
             <a:r>
               <a:rPr lang="en-US" dirty="0"/>
-              <a:t>Step 10. Install </a:t>
+              <a:t>Step 9. Commit Changes</a:t>
+            </a:r>
+          </a:p>
+        </p:txBody>
+      </p:sp>
+      <p:sp>
+        <p:nvSpPr>
+          <p:cNvPr id="3" name="Content Placeholder 2">
+            <a:extLst>
+              <a:ext uri="{FF2B5EF4-FFF2-40B4-BE49-F238E27FC236}">
+                <a16:creationId xmlns:a16="http://schemas.microsoft.com/office/drawing/2014/main" id="{052A7ED4-1046-475F-9537-76CF36ED8C0A}"/>
+              </a:ext>
+            </a:extLst>
+          </p:cNvPr>
+          <p:cNvSpPr>
+            <a:spLocks noGrp="1"/>
+          </p:cNvSpPr>
+          <p:nvPr>
+            <p:ph idx="1"/>
+          </p:nvPr>
+        </p:nvSpPr>
+        <p:spPr>
+          <a:xfrm>
+            <a:off x="838200" y="1825625"/>
+            <a:ext cx="4395158" cy="4351338"/>
+          </a:xfrm>
+        </p:spPr>
+        <p:txBody>
+          <a:bodyPr/>
+          <a:lstStyle/>
+          <a:p>
+            <a:r>
+              <a:rPr lang="en-US" dirty="0"/>
+              <a:t>Commit the changes, and push. It will probably prompt for </a:t>
             </a:r>
             <a:r>
               <a:rPr lang="en-US" dirty="0" err="1"/>
-              <a:t>Pybricks</a:t>
-            </a:r>
-            <a:endParaRPr lang="en-US" dirty="0"/>
-          </a:p>
-        </p:txBody>
-      </p:sp>
-      <p:sp>
-        <p:nvSpPr>
-          <p:cNvPr id="3" name="Content Placeholder 2">
-            <a:extLst>
-              <a:ext uri="{FF2B5EF4-FFF2-40B4-BE49-F238E27FC236}">
-                <a16:creationId xmlns:a16="http://schemas.microsoft.com/office/drawing/2014/main" id="{C1834367-569F-5B84-4323-448127965D62}"/>
-              </a:ext>
-            </a:extLst>
-          </p:cNvPr>
-          <p:cNvSpPr>
-            <a:spLocks noGrp="1"/>
-          </p:cNvSpPr>
-          <p:nvPr>
-            <p:ph idx="1"/>
-          </p:nvPr>
-        </p:nvSpPr>
-        <p:spPr/>
-        <p:txBody>
-          <a:bodyPr/>
-          <a:lstStyle/>
-          <a:p>
+              <a:t>github</a:t>
+            </a:r>
             <a:r>
               <a:rPr lang="en-US" dirty="0"/>
-              <a:t>Install </a:t>
+              <a:t> registration/login and then sync all files.</a:t>
+            </a:r>
+          </a:p>
+          <a:p>
+            <a:r>
+              <a:rPr lang="en-US" dirty="0"/>
+              <a:t>Just follow the prompts back to the </a:t>
             </a:r>
             <a:r>
               <a:rPr lang="en-US" dirty="0" err="1"/>
-              <a:t>pybricks</a:t>
+              <a:t>github</a:t>
             </a:r>
             <a:r>
               <a:rPr lang="en-US" dirty="0"/>
-              <a:t> on each robot at </a:t>
-            </a:r>
-            <a:r>
-              <a:rPr lang="en-US" dirty="0">
-                <a:hlinkClick r:id="rId2"/>
-              </a:rPr>
-              <a:t>https://beta.pybricks.com/</a:t>
-            </a:r>
-            <a:endParaRPr lang="en-US" dirty="0"/>
-          </a:p>
-          <a:p>
+              <a:t> webpage that we left open</a:t>
+            </a:r>
+          </a:p>
+        </p:txBody>
+      </p:sp>
+      <p:pic>
+        <p:nvPicPr>
+          <p:cNvPr id="5" name="Picture 4">
+            <a:extLst>
+              <a:ext uri="{FF2B5EF4-FFF2-40B4-BE49-F238E27FC236}">
+                <a16:creationId xmlns:a16="http://schemas.microsoft.com/office/drawing/2014/main" id="{E1B5489E-6AAA-0435-1D27-86D4E54977A7}"/>
+              </a:ext>
+            </a:extLst>
+          </p:cNvPr>
+          <p:cNvPicPr>
+            <a:picLocks noChangeAspect="1"/>
+          </p:cNvPicPr>
+          <p:nvPr/>
+        </p:nvPicPr>
+        <p:blipFill>
+          <a:blip r:embed="rId2"/>
+          <a:stretch>
+            <a:fillRect/>
+          </a:stretch>
+        </p:blipFill>
+        <p:spPr>
+          <a:xfrm>
+            <a:off x="6417249" y="1289680"/>
+            <a:ext cx="5559161" cy="4810258"/>
+          </a:xfrm>
+          <a:prstGeom prst="rect">
+            <a:avLst/>
+          </a:prstGeom>
+        </p:spPr>
+      </p:pic>
+      <p:sp>
+        <p:nvSpPr>
+          <p:cNvPr id="6" name="Arrow: Left 5">
+            <a:extLst>
+              <a:ext uri="{FF2B5EF4-FFF2-40B4-BE49-F238E27FC236}">
+                <a16:creationId xmlns:a16="http://schemas.microsoft.com/office/drawing/2014/main" id="{4AC4E0B1-7433-CDFD-0638-6D4A3561BA90}"/>
+              </a:ext>
+            </a:extLst>
+          </p:cNvPr>
+          <p:cNvSpPr/>
+          <p:nvPr/>
+        </p:nvSpPr>
+        <p:spPr>
+          <a:xfrm rot="2247223">
+            <a:off x="6596190" y="3444642"/>
+            <a:ext cx="1081178" cy="500332"/>
+          </a:xfrm>
+          <a:prstGeom prst="leftArrow">
+            <a:avLst/>
+          </a:prstGeom>
+        </p:spPr>
+        <p:style>
+          <a:lnRef idx="2">
+            <a:schemeClr val="accent1">
+              <a:shade val="15000"/>
+            </a:schemeClr>
+          </a:lnRef>
+          <a:fillRef idx="1">
+            <a:schemeClr val="accent1"/>
+          </a:fillRef>
+          <a:effectRef idx="0">
+            <a:schemeClr val="accent1"/>
+          </a:effectRef>
+          <a:fontRef idx="minor">
+            <a:schemeClr val="lt1"/>
+          </a:fontRef>
+        </p:style>
+        <p:txBody>
+          <a:bodyPr rtlCol="0" anchor="ctr"/>
+          <a:lstStyle/>
+          <a:p>
+            <a:pPr algn="ctr"/>
+            <a:endParaRPr lang="en-US"/>
+          </a:p>
+        </p:txBody>
+      </p:sp>
+      <p:sp>
+        <p:nvSpPr>
+          <p:cNvPr id="7" name="Arrow: Left 6">
+            <a:extLst>
+              <a:ext uri="{FF2B5EF4-FFF2-40B4-BE49-F238E27FC236}">
+                <a16:creationId xmlns:a16="http://schemas.microsoft.com/office/drawing/2014/main" id="{BC4DB190-7B91-FF0C-588B-98A9DEB442EE}"/>
+              </a:ext>
+            </a:extLst>
+          </p:cNvPr>
+          <p:cNvSpPr/>
+          <p:nvPr/>
+        </p:nvSpPr>
+        <p:spPr>
+          <a:xfrm rot="19546739">
+            <a:off x="7544042" y="2086334"/>
+            <a:ext cx="1081178" cy="500332"/>
+          </a:xfrm>
+          <a:prstGeom prst="leftArrow">
+            <a:avLst/>
+          </a:prstGeom>
+        </p:spPr>
+        <p:style>
+          <a:lnRef idx="2">
+            <a:schemeClr val="accent1">
+              <a:shade val="15000"/>
+            </a:schemeClr>
+          </a:lnRef>
+          <a:fillRef idx="1">
+            <a:schemeClr val="accent1"/>
+          </a:fillRef>
+          <a:effectRef idx="0">
+            <a:schemeClr val="accent1"/>
+          </a:effectRef>
+          <a:fontRef idx="minor">
+            <a:schemeClr val="lt1"/>
+          </a:fontRef>
+        </p:style>
+        <p:txBody>
+          <a:bodyPr rtlCol="0" anchor="ctr"/>
+          <a:lstStyle/>
+          <a:p>
+            <a:pPr algn="ctr"/>
+            <a:endParaRPr lang="en-US"/>
+          </a:p>
+        </p:txBody>
+      </p:sp>
+      <p:sp>
+        <p:nvSpPr>
+          <p:cNvPr id="8" name="Arrow: Left 7">
+            <a:extLst>
+              <a:ext uri="{FF2B5EF4-FFF2-40B4-BE49-F238E27FC236}">
+                <a16:creationId xmlns:a16="http://schemas.microsoft.com/office/drawing/2014/main" id="{57D95CA5-5D9D-5C6F-169D-0A730E9583E4}"/>
+              </a:ext>
+            </a:extLst>
+          </p:cNvPr>
+          <p:cNvSpPr/>
+          <p:nvPr/>
+        </p:nvSpPr>
+        <p:spPr>
+          <a:xfrm rot="2247223">
+            <a:off x="9387713" y="3344281"/>
+            <a:ext cx="1081178" cy="500332"/>
+          </a:xfrm>
+          <a:prstGeom prst="leftArrow">
+            <a:avLst/>
+          </a:prstGeom>
+        </p:spPr>
+        <p:style>
+          <a:lnRef idx="2">
+            <a:schemeClr val="accent1">
+              <a:shade val="15000"/>
+            </a:schemeClr>
+          </a:lnRef>
+          <a:fillRef idx="1">
+            <a:schemeClr val="accent1"/>
+          </a:fillRef>
+          <a:effectRef idx="0">
+            <a:schemeClr val="accent1"/>
+          </a:effectRef>
+          <a:fontRef idx="minor">
+            <a:schemeClr val="lt1"/>
+          </a:fontRef>
+        </p:style>
+        <p:txBody>
+          <a:bodyPr rtlCol="0" anchor="ctr"/>
+          <a:lstStyle/>
+          <a:p>
+            <a:pPr algn="ctr"/>
+            <a:endParaRPr lang="en-US"/>
+          </a:p>
+        </p:txBody>
+      </p:sp>
+      <p:sp>
+        <p:nvSpPr>
+          <p:cNvPr id="9" name="Oval 8">
+            <a:extLst>
+              <a:ext uri="{FF2B5EF4-FFF2-40B4-BE49-F238E27FC236}">
+                <a16:creationId xmlns:a16="http://schemas.microsoft.com/office/drawing/2014/main" id="{5E78A11E-371B-F2BE-44E0-999BC12113E9}"/>
+              </a:ext>
+            </a:extLst>
+          </p:cNvPr>
+          <p:cNvSpPr/>
+          <p:nvPr/>
+        </p:nvSpPr>
+        <p:spPr>
+          <a:xfrm>
+            <a:off x="6797540" y="3694808"/>
+            <a:ext cx="564995" cy="564995"/>
+          </a:xfrm>
+          <a:prstGeom prst="ellipse">
+            <a:avLst/>
+          </a:prstGeom>
+        </p:spPr>
+        <p:style>
+          <a:lnRef idx="2">
+            <a:schemeClr val="accent1">
+              <a:shade val="15000"/>
+            </a:schemeClr>
+          </a:lnRef>
+          <a:fillRef idx="1">
+            <a:schemeClr val="accent1"/>
+          </a:fillRef>
+          <a:effectRef idx="0">
+            <a:schemeClr val="accent1"/>
+          </a:effectRef>
+          <a:fontRef idx="minor">
+            <a:schemeClr val="lt1"/>
+          </a:fontRef>
+        </p:style>
+        <p:txBody>
+          <a:bodyPr rtlCol="0" anchor="ctr"/>
+          <a:lstStyle/>
+          <a:p>
+            <a:pPr algn="ctr"/>
             <a:r>
               <a:rPr lang="en-US" dirty="0"/>
-              <a:t>If the computer has never connected to a </a:t>
-            </a:r>
-            <a:r>
-              <a:rPr lang="en-US" dirty="0" err="1"/>
-              <a:t>pybricks</a:t>
-            </a:r>
+              <a:t>1</a:t>
+            </a:r>
+          </a:p>
+        </p:txBody>
+      </p:sp>
+      <p:sp>
+        <p:nvSpPr>
+          <p:cNvPr id="10" name="Oval 9">
+            <a:extLst>
+              <a:ext uri="{FF2B5EF4-FFF2-40B4-BE49-F238E27FC236}">
+                <a16:creationId xmlns:a16="http://schemas.microsoft.com/office/drawing/2014/main" id="{7AA0B291-43E7-F90B-625B-2FC47C6DECC2}"/>
+              </a:ext>
+            </a:extLst>
+          </p:cNvPr>
+          <p:cNvSpPr/>
+          <p:nvPr/>
+        </p:nvSpPr>
+        <p:spPr>
+          <a:xfrm>
+            <a:off x="7802133" y="1782092"/>
+            <a:ext cx="564995" cy="564995"/>
+          </a:xfrm>
+          <a:prstGeom prst="ellipse">
+            <a:avLst/>
+          </a:prstGeom>
+        </p:spPr>
+        <p:style>
+          <a:lnRef idx="2">
+            <a:schemeClr val="accent1">
+              <a:shade val="15000"/>
+            </a:schemeClr>
+          </a:lnRef>
+          <a:fillRef idx="1">
+            <a:schemeClr val="accent1"/>
+          </a:fillRef>
+          <a:effectRef idx="0">
+            <a:schemeClr val="accent1"/>
+          </a:effectRef>
+          <a:fontRef idx="minor">
+            <a:schemeClr val="lt1"/>
+          </a:fontRef>
+        </p:style>
+        <p:txBody>
+          <a:bodyPr rtlCol="0" anchor="ctr"/>
+          <a:lstStyle/>
+          <a:p>
+            <a:pPr algn="ctr"/>
             <a:r>
               <a:rPr lang="en-US" dirty="0"/>
-              <a:t> hub, you will probably need to manually install the USB drivers</a:t>
-            </a:r>
-          </a:p>
-          <a:p>
+              <a:t>2</a:t>
+            </a:r>
+          </a:p>
+        </p:txBody>
+      </p:sp>
+      <p:sp>
+        <p:nvSpPr>
+          <p:cNvPr id="11" name="Oval 10">
+            <a:extLst>
+              <a:ext uri="{FF2B5EF4-FFF2-40B4-BE49-F238E27FC236}">
+                <a16:creationId xmlns:a16="http://schemas.microsoft.com/office/drawing/2014/main" id="{AAC3CD6F-DC0E-3E87-53A1-CA2417C94DAD}"/>
+              </a:ext>
+            </a:extLst>
+          </p:cNvPr>
+          <p:cNvSpPr/>
+          <p:nvPr/>
+        </p:nvSpPr>
+        <p:spPr>
+          <a:xfrm>
+            <a:off x="9928302" y="3182376"/>
+            <a:ext cx="564995" cy="564995"/>
+          </a:xfrm>
+          <a:prstGeom prst="ellipse">
+            <a:avLst/>
+          </a:prstGeom>
+        </p:spPr>
+        <p:style>
+          <a:lnRef idx="2">
+            <a:schemeClr val="accent1">
+              <a:shade val="15000"/>
+            </a:schemeClr>
+          </a:lnRef>
+          <a:fillRef idx="1">
+            <a:schemeClr val="accent1"/>
+          </a:fillRef>
+          <a:effectRef idx="0">
+            <a:schemeClr val="accent1"/>
+          </a:effectRef>
+          <a:fontRef idx="minor">
+            <a:schemeClr val="lt1"/>
+          </a:fontRef>
+        </p:style>
+        <p:txBody>
+          <a:bodyPr rtlCol="0" anchor="ctr"/>
+          <a:lstStyle/>
+          <a:p>
+            <a:pPr algn="ctr"/>
             <a:r>
               <a:rPr lang="en-US" dirty="0"/>
-              <a:t>Name the robot at this time</a:t>
-            </a:r>
-          </a:p>
-          <a:p>
-            <a:pPr lvl="1"/>
-            <a:r>
-              <a:rPr lang="en-US" dirty="0"/>
-              <a:t>Avoid spaces and special characters in the robot name</a:t>
-            </a:r>
-          </a:p>
-          <a:p>
-            <a:pPr lvl="1"/>
-            <a:r>
-              <a:rPr lang="en-US" dirty="0"/>
-              <a:t>Put a label sticker on the top of the robot with the robot name.</a:t>
+              <a:t>3</a:t>
             </a:r>
           </a:p>
         </p:txBody>
@@ -3624,7 +3938,7 @@
     </p:spTree>
     <p:extLst>
       <p:ext uri="{BB962C8B-B14F-4D97-AF65-F5344CB8AC3E}">
-        <p14:creationId xmlns:p14="http://schemas.microsoft.com/office/powerpoint/2010/main" val="4185439918"/>
+        <p14:creationId xmlns:p14="http://schemas.microsoft.com/office/powerpoint/2010/main" val="1808178597"/>
       </p:ext>
     </p:extLst>
   </p:cSld>
@@ -3656,7 +3970,7 @@
           <p:cNvPr id="2" name="Title 1">
             <a:extLst>
               <a:ext uri="{FF2B5EF4-FFF2-40B4-BE49-F238E27FC236}">
-                <a16:creationId xmlns:a16="http://schemas.microsoft.com/office/drawing/2014/main" id="{7A7DF9C8-589D-CC46-E165-F5A84DA952BF}"/>
+                <a16:creationId xmlns:a16="http://schemas.microsoft.com/office/drawing/2014/main" id="{CD179645-3EE1-6B61-C7A0-924175A1E01F}"/>
               </a:ext>
             </a:extLst>
           </p:cNvPr>
@@ -3674,8 +3988,13 @@
           <a:p>
             <a:r>
               <a:rPr lang="en-US" dirty="0"/>
-              <a:t>Step 11. User Environment Variables</a:t>
-            </a:r>
+              <a:t>Step 10. Install </a:t>
+            </a:r>
+            <a:r>
+              <a:rPr lang="en-US" dirty="0" err="1"/>
+              <a:t>Pybricks</a:t>
+            </a:r>
+            <a:endParaRPr lang="en-US" dirty="0"/>
           </a:p>
         </p:txBody>
       </p:sp>
@@ -3684,7 +4003,7 @@
           <p:cNvPr id="3" name="Content Placeholder 2">
             <a:extLst>
               <a:ext uri="{FF2B5EF4-FFF2-40B4-BE49-F238E27FC236}">
-                <a16:creationId xmlns:a16="http://schemas.microsoft.com/office/drawing/2014/main" id="{E278F8AC-78B3-B6A1-AFAC-7C9BF9466ED0}"/>
+                <a16:creationId xmlns:a16="http://schemas.microsoft.com/office/drawing/2014/main" id="{C1834367-569F-5B84-4323-448127965D62}"/>
               </a:ext>
             </a:extLst>
           </p:cNvPr>
@@ -3702,46 +4021,64 @@
           <a:p>
             <a:r>
               <a:rPr lang="en-US" dirty="0"/>
-              <a:t>Create a User environment variable for the robot name</a:t>
-            </a:r>
-          </a:p>
-          <a:p>
+              <a:t>Install </a:t>
+            </a:r>
+            <a:r>
+              <a:rPr lang="en-US" dirty="0" err="1"/>
+              <a:t>pybricks</a:t>
+            </a:r>
             <a:r>
               <a:rPr lang="en-US" dirty="0"/>
-              <a:t>Set the variable </a:t>
+              <a:t> on each robot at </a:t>
+            </a:r>
+            <a:r>
+              <a:rPr lang="en-US" dirty="0">
+                <a:hlinkClick r:id="rId2"/>
+              </a:rPr>
+              <a:t>https://beta.pybricks.com/</a:t>
+            </a:r>
+            <a:endParaRPr lang="en-US" dirty="0"/>
+          </a:p>
+          <a:p>
+            <a:r>
+              <a:rPr lang="en-US" dirty="0"/>
+              <a:t>If the computer has never connected to a </a:t>
             </a:r>
             <a:r>
               <a:rPr lang="en-US" dirty="0" err="1"/>
-              <a:t>robotName</a:t>
+              <a:t>pybricks</a:t>
             </a:r>
             <a:r>
               <a:rPr lang="en-US" dirty="0"/>
-              <a:t> to the name of the robot</a:t>
+              <a:t> hub, you will probably need to manually install the USB drivers</a:t>
             </a:r>
           </a:p>
           <a:p>
             <a:r>
               <a:rPr lang="en-US" dirty="0"/>
-              <a:t>This should allow the keyboard binding and tasks to recognize the robot by name</a:t>
-            </a:r>
-          </a:p>
-          <a:p>
+              <a:t>Name the robot at this time</a:t>
+            </a:r>
+          </a:p>
+          <a:p>
+            <a:pPr lvl="1"/>
             <a:r>
               <a:rPr lang="en-US" dirty="0"/>
-              <a:t>Restart VS Code and open a new terminal and then test it with echo $</a:t>
-            </a:r>
-            <a:r>
-              <a:rPr lang="en-US" dirty="0" err="1"/>
-              <a:t>env:robotName</a:t>
-            </a:r>
-            <a:endParaRPr lang="en-US" dirty="0"/>
+              <a:t>Avoid spaces and special characters in the robot name</a:t>
+            </a:r>
+          </a:p>
+          <a:p>
+            <a:pPr lvl="1"/>
+            <a:r>
+              <a:rPr lang="en-US" dirty="0"/>
+              <a:t>Put a label sticker on the top of the robot with the robot name.</a:t>
+            </a:r>
           </a:p>
         </p:txBody>
       </p:sp>
     </p:spTree>
     <p:extLst>
       <p:ext uri="{BB962C8B-B14F-4D97-AF65-F5344CB8AC3E}">
-        <p14:creationId xmlns:p14="http://schemas.microsoft.com/office/powerpoint/2010/main" val="4171221275"/>
+        <p14:creationId xmlns:p14="http://schemas.microsoft.com/office/powerpoint/2010/main" val="4185439918"/>
       </p:ext>
     </p:extLst>
   </p:cSld>
@@ -3768,6 +4105,1147 @@
           <a:chExt cx="0" cy="0"/>
         </a:xfrm>
       </p:grpSpPr>
+      <p:pic>
+        <p:nvPicPr>
+          <p:cNvPr id="5" name="Picture 4">
+            <a:extLst>
+              <a:ext uri="{FF2B5EF4-FFF2-40B4-BE49-F238E27FC236}">
+                <a16:creationId xmlns:a16="http://schemas.microsoft.com/office/drawing/2014/main" id="{DC4F29A0-98D1-0952-32DE-CA25938291A0}"/>
+              </a:ext>
+            </a:extLst>
+          </p:cNvPr>
+          <p:cNvPicPr>
+            <a:picLocks noChangeAspect="1"/>
+          </p:cNvPicPr>
+          <p:nvPr/>
+        </p:nvPicPr>
+        <p:blipFill>
+          <a:blip r:embed="rId2"/>
+          <a:stretch>
+            <a:fillRect/>
+          </a:stretch>
+        </p:blipFill>
+        <p:spPr>
+          <a:xfrm>
+            <a:off x="227457" y="489493"/>
+            <a:ext cx="3886628" cy="5135599"/>
+          </a:xfrm>
+          <a:prstGeom prst="rect">
+            <a:avLst/>
+          </a:prstGeom>
+        </p:spPr>
+      </p:pic>
+      <p:pic>
+        <p:nvPicPr>
+          <p:cNvPr id="7" name="Picture 6">
+            <a:extLst>
+              <a:ext uri="{FF2B5EF4-FFF2-40B4-BE49-F238E27FC236}">
+                <a16:creationId xmlns:a16="http://schemas.microsoft.com/office/drawing/2014/main" id="{C6548B48-11AC-8A22-4C06-9F37BC2E48E8}"/>
+              </a:ext>
+            </a:extLst>
+          </p:cNvPr>
+          <p:cNvPicPr>
+            <a:picLocks noChangeAspect="1"/>
+          </p:cNvPicPr>
+          <p:nvPr/>
+        </p:nvPicPr>
+        <p:blipFill>
+          <a:blip r:embed="rId3"/>
+          <a:stretch>
+            <a:fillRect/>
+          </a:stretch>
+        </p:blipFill>
+        <p:spPr>
+          <a:xfrm>
+            <a:off x="4449400" y="489493"/>
+            <a:ext cx="5389627" cy="4830766"/>
+          </a:xfrm>
+          <a:prstGeom prst="rect">
+            <a:avLst/>
+          </a:prstGeom>
+        </p:spPr>
+      </p:pic>
+    </p:spTree>
+    <p:extLst>
+      <p:ext uri="{BB962C8B-B14F-4D97-AF65-F5344CB8AC3E}">
+        <p14:creationId xmlns:p14="http://schemas.microsoft.com/office/powerpoint/2010/main" val="496228363"/>
+      </p:ext>
+    </p:extLst>
+  </p:cSld>
+  <p:clrMapOvr>
+    <a:masterClrMapping/>
+  </p:clrMapOvr>
+</p:sld>
+</file>
+
+<file path=ppt/slides/slide14.xml><?xml version="1.0" encoding="utf-8"?>
+<p:sld xmlns:a="http://schemas.openxmlformats.org/drawingml/2006/main" xmlns:r="http://schemas.openxmlformats.org/officeDocument/2006/relationships" xmlns:p="http://schemas.openxmlformats.org/presentationml/2006/main">
+  <p:cSld>
+    <p:spTree>
+      <p:nvGrpSpPr>
+        <p:cNvPr id="1" name=""/>
+        <p:cNvGrpSpPr/>
+        <p:nvPr/>
+      </p:nvGrpSpPr>
+      <p:grpSpPr>
+        <a:xfrm>
+          <a:off x="0" y="0"/>
+          <a:ext cx="0" cy="0"/>
+          <a:chOff x="0" y="0"/>
+          <a:chExt cx="0" cy="0"/>
+        </a:xfrm>
+      </p:grpSpPr>
+      <p:sp>
+        <p:nvSpPr>
+          <p:cNvPr id="2" name="Title 1">
+            <a:extLst>
+              <a:ext uri="{FF2B5EF4-FFF2-40B4-BE49-F238E27FC236}">
+                <a16:creationId xmlns:a16="http://schemas.microsoft.com/office/drawing/2014/main" id="{5C01E732-5A5C-BCA0-8D2E-DCCFD010D4FD}"/>
+              </a:ext>
+            </a:extLst>
+          </p:cNvPr>
+          <p:cNvSpPr>
+            <a:spLocks noGrp="1"/>
+          </p:cNvSpPr>
+          <p:nvPr>
+            <p:ph type="title"/>
+          </p:nvPr>
+        </p:nvSpPr>
+        <p:spPr/>
+        <p:txBody>
+          <a:bodyPr/>
+          <a:lstStyle/>
+          <a:p>
+            <a:endParaRPr lang="en-US"/>
+          </a:p>
+        </p:txBody>
+      </p:sp>
+      <p:pic>
+        <p:nvPicPr>
+          <p:cNvPr id="5" name="Picture 4">
+            <a:extLst>
+              <a:ext uri="{FF2B5EF4-FFF2-40B4-BE49-F238E27FC236}">
+                <a16:creationId xmlns:a16="http://schemas.microsoft.com/office/drawing/2014/main" id="{8C0DD56D-0430-1309-6F70-A5BB36D6A464}"/>
+              </a:ext>
+            </a:extLst>
+          </p:cNvPr>
+          <p:cNvPicPr>
+            <a:picLocks noChangeAspect="1"/>
+          </p:cNvPicPr>
+          <p:nvPr/>
+        </p:nvPicPr>
+        <p:blipFill>
+          <a:blip r:embed="rId2"/>
+          <a:stretch>
+            <a:fillRect/>
+          </a:stretch>
+        </p:blipFill>
+        <p:spPr>
+          <a:xfrm>
+            <a:off x="327251" y="1299648"/>
+            <a:ext cx="3865459" cy="4407386"/>
+          </a:xfrm>
+          <a:prstGeom prst="rect">
+            <a:avLst/>
+          </a:prstGeom>
+        </p:spPr>
+      </p:pic>
+      <p:pic>
+        <p:nvPicPr>
+          <p:cNvPr id="7" name="Picture 6">
+            <a:extLst>
+              <a:ext uri="{FF2B5EF4-FFF2-40B4-BE49-F238E27FC236}">
+                <a16:creationId xmlns:a16="http://schemas.microsoft.com/office/drawing/2014/main" id="{17B9B030-2E72-10BC-80FB-534CEC731342}"/>
+              </a:ext>
+            </a:extLst>
+          </p:cNvPr>
+          <p:cNvPicPr>
+            <a:picLocks noChangeAspect="1"/>
+          </p:cNvPicPr>
+          <p:nvPr/>
+        </p:nvPicPr>
+        <p:blipFill>
+          <a:blip r:embed="rId3"/>
+          <a:stretch>
+            <a:fillRect/>
+          </a:stretch>
+        </p:blipFill>
+        <p:spPr>
+          <a:xfrm>
+            <a:off x="4703659" y="1449658"/>
+            <a:ext cx="3481336" cy="2588180"/>
+          </a:xfrm>
+          <a:prstGeom prst="rect">
+            <a:avLst/>
+          </a:prstGeom>
+        </p:spPr>
+      </p:pic>
+      <p:pic>
+        <p:nvPicPr>
+          <p:cNvPr id="9" name="Picture 8">
+            <a:extLst>
+              <a:ext uri="{FF2B5EF4-FFF2-40B4-BE49-F238E27FC236}">
+                <a16:creationId xmlns:a16="http://schemas.microsoft.com/office/drawing/2014/main" id="{2685E4C4-869E-ED78-54B0-A52B8B38B805}"/>
+              </a:ext>
+            </a:extLst>
+          </p:cNvPr>
+          <p:cNvPicPr>
+            <a:picLocks noChangeAspect="1"/>
+          </p:cNvPicPr>
+          <p:nvPr/>
+        </p:nvPicPr>
+        <p:blipFill>
+          <a:blip r:embed="rId4"/>
+          <a:stretch>
+            <a:fillRect/>
+          </a:stretch>
+        </p:blipFill>
+        <p:spPr>
+          <a:xfrm>
+            <a:off x="8534976" y="1449658"/>
+            <a:ext cx="3194575" cy="2375453"/>
+          </a:xfrm>
+          <a:prstGeom prst="rect">
+            <a:avLst/>
+          </a:prstGeom>
+        </p:spPr>
+      </p:pic>
+      <p:pic>
+        <p:nvPicPr>
+          <p:cNvPr id="11" name="Picture 10">
+            <a:extLst>
+              <a:ext uri="{FF2B5EF4-FFF2-40B4-BE49-F238E27FC236}">
+                <a16:creationId xmlns:a16="http://schemas.microsoft.com/office/drawing/2014/main" id="{9C4647E8-71FB-45C5-019C-7C03E1B6689F}"/>
+              </a:ext>
+            </a:extLst>
+          </p:cNvPr>
+          <p:cNvPicPr>
+            <a:picLocks noChangeAspect="1"/>
+          </p:cNvPicPr>
+          <p:nvPr/>
+        </p:nvPicPr>
+        <p:blipFill>
+          <a:blip r:embed="rId5"/>
+          <a:stretch>
+            <a:fillRect/>
+          </a:stretch>
+        </p:blipFill>
+        <p:spPr>
+          <a:xfrm>
+            <a:off x="4703659" y="4200216"/>
+            <a:ext cx="3498010" cy="2588180"/>
+          </a:xfrm>
+          <a:prstGeom prst="rect">
+            <a:avLst/>
+          </a:prstGeom>
+        </p:spPr>
+      </p:pic>
+      <p:pic>
+        <p:nvPicPr>
+          <p:cNvPr id="13" name="Picture 12">
+            <a:extLst>
+              <a:ext uri="{FF2B5EF4-FFF2-40B4-BE49-F238E27FC236}">
+                <a16:creationId xmlns:a16="http://schemas.microsoft.com/office/drawing/2014/main" id="{F7BB8C63-8453-9D31-21F5-C977192A8DEC}"/>
+              </a:ext>
+            </a:extLst>
+          </p:cNvPr>
+          <p:cNvPicPr>
+            <a:picLocks noChangeAspect="1"/>
+          </p:cNvPicPr>
+          <p:nvPr/>
+        </p:nvPicPr>
+        <p:blipFill>
+          <a:blip r:embed="rId6"/>
+          <a:stretch>
+            <a:fillRect/>
+          </a:stretch>
+        </p:blipFill>
+        <p:spPr>
+          <a:xfrm>
+            <a:off x="8482360" y="4211492"/>
+            <a:ext cx="3299041" cy="2449503"/>
+          </a:xfrm>
+          <a:prstGeom prst="rect">
+            <a:avLst/>
+          </a:prstGeom>
+        </p:spPr>
+      </p:pic>
+    </p:spTree>
+    <p:extLst>
+      <p:ext uri="{BB962C8B-B14F-4D97-AF65-F5344CB8AC3E}">
+        <p14:creationId xmlns:p14="http://schemas.microsoft.com/office/powerpoint/2010/main" val="2187632924"/>
+      </p:ext>
+    </p:extLst>
+  </p:cSld>
+  <p:clrMapOvr>
+    <a:masterClrMapping/>
+  </p:clrMapOvr>
+</p:sld>
+</file>
+
+<file path=ppt/slides/slide15.xml><?xml version="1.0" encoding="utf-8"?>
+<p:sld xmlns:a="http://schemas.openxmlformats.org/drawingml/2006/main" xmlns:r="http://schemas.openxmlformats.org/officeDocument/2006/relationships" xmlns:p="http://schemas.openxmlformats.org/presentationml/2006/main">
+  <p:cSld>
+    <p:spTree>
+      <p:nvGrpSpPr>
+        <p:cNvPr id="1" name=""/>
+        <p:cNvGrpSpPr/>
+        <p:nvPr/>
+      </p:nvGrpSpPr>
+      <p:grpSpPr>
+        <a:xfrm>
+          <a:off x="0" y="0"/>
+          <a:ext cx="0" cy="0"/>
+          <a:chOff x="0" y="0"/>
+          <a:chExt cx="0" cy="0"/>
+        </a:xfrm>
+      </p:grpSpPr>
+      <p:sp>
+        <p:nvSpPr>
+          <p:cNvPr id="2" name="Title 1">
+            <a:extLst>
+              <a:ext uri="{FF2B5EF4-FFF2-40B4-BE49-F238E27FC236}">
+                <a16:creationId xmlns:a16="http://schemas.microsoft.com/office/drawing/2014/main" id="{668D7DA5-7C64-2308-38A6-8218BDF5CCD9}"/>
+              </a:ext>
+            </a:extLst>
+          </p:cNvPr>
+          <p:cNvSpPr>
+            <a:spLocks noGrp="1"/>
+          </p:cNvSpPr>
+          <p:nvPr>
+            <p:ph type="title"/>
+          </p:nvPr>
+        </p:nvSpPr>
+        <p:spPr/>
+        <p:txBody>
+          <a:bodyPr/>
+          <a:lstStyle/>
+          <a:p>
+            <a:endParaRPr lang="en-US"/>
+          </a:p>
+        </p:txBody>
+      </p:sp>
+      <p:pic>
+        <p:nvPicPr>
+          <p:cNvPr id="5" name="Picture 4">
+            <a:extLst>
+              <a:ext uri="{FF2B5EF4-FFF2-40B4-BE49-F238E27FC236}">
+                <a16:creationId xmlns:a16="http://schemas.microsoft.com/office/drawing/2014/main" id="{023EB106-2F34-CFE6-4640-A8C52673DE03}"/>
+              </a:ext>
+            </a:extLst>
+          </p:cNvPr>
+          <p:cNvPicPr>
+            <a:picLocks noChangeAspect="1"/>
+          </p:cNvPicPr>
+          <p:nvPr/>
+        </p:nvPicPr>
+        <p:blipFill>
+          <a:blip r:embed="rId2"/>
+          <a:stretch>
+            <a:fillRect/>
+          </a:stretch>
+        </p:blipFill>
+        <p:spPr>
+          <a:xfrm>
+            <a:off x="990173" y="2252486"/>
+            <a:ext cx="3996707" cy="2011055"/>
+          </a:xfrm>
+          <a:prstGeom prst="rect">
+            <a:avLst/>
+          </a:prstGeom>
+        </p:spPr>
+      </p:pic>
+      <p:pic>
+        <p:nvPicPr>
+          <p:cNvPr id="7" name="Picture 6">
+            <a:extLst>
+              <a:ext uri="{FF2B5EF4-FFF2-40B4-BE49-F238E27FC236}">
+                <a16:creationId xmlns:a16="http://schemas.microsoft.com/office/drawing/2014/main" id="{833C2C2D-77DE-F746-6794-B5C06A7C52EB}"/>
+              </a:ext>
+            </a:extLst>
+          </p:cNvPr>
+          <p:cNvPicPr>
+            <a:picLocks noChangeAspect="1"/>
+          </p:cNvPicPr>
+          <p:nvPr/>
+        </p:nvPicPr>
+        <p:blipFill>
+          <a:blip r:embed="rId3"/>
+          <a:stretch>
+            <a:fillRect/>
+          </a:stretch>
+        </p:blipFill>
+        <p:spPr>
+          <a:xfrm>
+            <a:off x="5388376" y="1531190"/>
+            <a:ext cx="5965424" cy="4420087"/>
+          </a:xfrm>
+          <a:prstGeom prst="rect">
+            <a:avLst/>
+          </a:prstGeom>
+        </p:spPr>
+      </p:pic>
+    </p:spTree>
+    <p:extLst>
+      <p:ext uri="{BB962C8B-B14F-4D97-AF65-F5344CB8AC3E}">
+        <p14:creationId xmlns:p14="http://schemas.microsoft.com/office/powerpoint/2010/main" val="1415644253"/>
+      </p:ext>
+    </p:extLst>
+  </p:cSld>
+  <p:clrMapOvr>
+    <a:masterClrMapping/>
+  </p:clrMapOvr>
+</p:sld>
+</file>
+
+<file path=ppt/slides/slide16.xml><?xml version="1.0" encoding="utf-8"?>
+<p:sld xmlns:a="http://schemas.openxmlformats.org/drawingml/2006/main" xmlns:r="http://schemas.openxmlformats.org/officeDocument/2006/relationships" xmlns:p="http://schemas.openxmlformats.org/presentationml/2006/main">
+  <p:cSld>
+    <p:spTree>
+      <p:nvGrpSpPr>
+        <p:cNvPr id="1" name=""/>
+        <p:cNvGrpSpPr/>
+        <p:nvPr/>
+      </p:nvGrpSpPr>
+      <p:grpSpPr>
+        <a:xfrm>
+          <a:off x="0" y="0"/>
+          <a:ext cx="0" cy="0"/>
+          <a:chOff x="0" y="0"/>
+          <a:chExt cx="0" cy="0"/>
+        </a:xfrm>
+      </p:grpSpPr>
+      <p:sp>
+        <p:nvSpPr>
+          <p:cNvPr id="2" name="Title 1">
+            <a:extLst>
+              <a:ext uri="{FF2B5EF4-FFF2-40B4-BE49-F238E27FC236}">
+                <a16:creationId xmlns:a16="http://schemas.microsoft.com/office/drawing/2014/main" id="{7A7DF9C8-589D-CC46-E165-F5A84DA952BF}"/>
+              </a:ext>
+            </a:extLst>
+          </p:cNvPr>
+          <p:cNvSpPr>
+            <a:spLocks noGrp="1"/>
+          </p:cNvSpPr>
+          <p:nvPr>
+            <p:ph type="title"/>
+          </p:nvPr>
+        </p:nvSpPr>
+        <p:spPr>
+          <a:xfrm>
+            <a:off x="763858" y="289916"/>
+            <a:ext cx="7480610" cy="1325563"/>
+          </a:xfrm>
+        </p:spPr>
+        <p:txBody>
+          <a:bodyPr/>
+          <a:lstStyle/>
+          <a:p>
+            <a:r>
+              <a:rPr lang="en-US" dirty="0"/>
+              <a:t>Step 11. User Environment Variables</a:t>
+            </a:r>
+          </a:p>
+        </p:txBody>
+      </p:sp>
+      <p:sp>
+        <p:nvSpPr>
+          <p:cNvPr id="3" name="Content Placeholder 2">
+            <a:extLst>
+              <a:ext uri="{FF2B5EF4-FFF2-40B4-BE49-F238E27FC236}">
+                <a16:creationId xmlns:a16="http://schemas.microsoft.com/office/drawing/2014/main" id="{E278F8AC-78B3-B6A1-AFAC-7C9BF9466ED0}"/>
+              </a:ext>
+            </a:extLst>
+          </p:cNvPr>
+          <p:cNvSpPr>
+            <a:spLocks noGrp="1"/>
+          </p:cNvSpPr>
+          <p:nvPr>
+            <p:ph idx="1"/>
+          </p:nvPr>
+        </p:nvSpPr>
+        <p:spPr>
+          <a:xfrm>
+            <a:off x="838200" y="1825625"/>
+            <a:ext cx="5748454" cy="4351338"/>
+          </a:xfrm>
+        </p:spPr>
+        <p:txBody>
+          <a:bodyPr>
+            <a:normAutofit fontScale="85000" lnSpcReduction="20000"/>
+          </a:bodyPr>
+          <a:lstStyle/>
+          <a:p>
+            <a:r>
+              <a:rPr lang="en-US" dirty="0"/>
+              <a:t>Create a User environment variable for the robot name</a:t>
+            </a:r>
+          </a:p>
+          <a:p>
+            <a:r>
+              <a:rPr lang="en-US" dirty="0"/>
+              <a:t>Set the variable </a:t>
+            </a:r>
+            <a:r>
+              <a:rPr lang="en-US" dirty="0" err="1"/>
+              <a:t>robotName</a:t>
+            </a:r>
+            <a:r>
+              <a:rPr lang="en-US" dirty="0"/>
+              <a:t> to the name of the robot</a:t>
+            </a:r>
+          </a:p>
+          <a:p>
+            <a:r>
+              <a:rPr lang="en-US" dirty="0"/>
+              <a:t>This should allow the keyboard binding and tasks to recognize the robot by name</a:t>
+            </a:r>
+          </a:p>
+          <a:p>
+            <a:r>
+              <a:rPr lang="en-US" dirty="0"/>
+              <a:t>Restart VS Code and open a new terminal and then test it with echo $</a:t>
+            </a:r>
+            <a:r>
+              <a:rPr lang="en-US" dirty="0" err="1"/>
+              <a:t>env:robotName</a:t>
+            </a:r>
+            <a:endParaRPr lang="en-US" dirty="0"/>
+          </a:p>
+          <a:p>
+            <a:pPr marL="0" indent="0">
+              <a:buNone/>
+            </a:pPr>
+            <a:r>
+              <a:rPr lang="en-US" dirty="0"/>
+              <a:t>1: Click on Start Menu</a:t>
+            </a:r>
+          </a:p>
+          <a:p>
+            <a:pPr marL="0" indent="0">
+              <a:buNone/>
+            </a:pPr>
+            <a:r>
+              <a:rPr lang="en-US" dirty="0"/>
+              <a:t>2: Type “env”</a:t>
+            </a:r>
+          </a:p>
+          <a:p>
+            <a:pPr marL="0" indent="0">
+              <a:buNone/>
+            </a:pPr>
+            <a:r>
+              <a:rPr lang="en-US" dirty="0"/>
+              <a:t>3: Click on “Edit Environment Variables for your account”</a:t>
+            </a:r>
+          </a:p>
+        </p:txBody>
+      </p:sp>
+      <p:pic>
+        <p:nvPicPr>
+          <p:cNvPr id="7" name="Picture 6">
+            <a:extLst>
+              <a:ext uri="{FF2B5EF4-FFF2-40B4-BE49-F238E27FC236}">
+                <a16:creationId xmlns:a16="http://schemas.microsoft.com/office/drawing/2014/main" id="{073D3CD9-8F0A-3EC9-0AE9-21F4D9C55753}"/>
+              </a:ext>
+            </a:extLst>
+          </p:cNvPr>
+          <p:cNvPicPr>
+            <a:picLocks noChangeAspect="1"/>
+          </p:cNvPicPr>
+          <p:nvPr/>
+        </p:nvPicPr>
+        <p:blipFill>
+          <a:blip r:embed="rId2"/>
+          <a:stretch>
+            <a:fillRect/>
+          </a:stretch>
+        </p:blipFill>
+        <p:spPr>
+          <a:xfrm>
+            <a:off x="8538449" y="0"/>
+            <a:ext cx="3560291" cy="6858000"/>
+          </a:xfrm>
+          <a:prstGeom prst="rect">
+            <a:avLst/>
+          </a:prstGeom>
+        </p:spPr>
+      </p:pic>
+      <p:sp>
+        <p:nvSpPr>
+          <p:cNvPr id="9" name="Arrow: Left 8">
+            <a:extLst>
+              <a:ext uri="{FF2B5EF4-FFF2-40B4-BE49-F238E27FC236}">
+                <a16:creationId xmlns:a16="http://schemas.microsoft.com/office/drawing/2014/main" id="{0A0D3E43-32E3-2301-C8DB-3C3D992C77BA}"/>
+              </a:ext>
+            </a:extLst>
+          </p:cNvPr>
+          <p:cNvSpPr/>
+          <p:nvPr/>
+        </p:nvSpPr>
+        <p:spPr>
+          <a:xfrm rot="12683982">
+            <a:off x="8369980" y="6112654"/>
+            <a:ext cx="1081178" cy="500332"/>
+          </a:xfrm>
+          <a:prstGeom prst="leftArrow">
+            <a:avLst/>
+          </a:prstGeom>
+        </p:spPr>
+        <p:style>
+          <a:lnRef idx="2">
+            <a:schemeClr val="accent1">
+              <a:shade val="15000"/>
+            </a:schemeClr>
+          </a:lnRef>
+          <a:fillRef idx="1">
+            <a:schemeClr val="accent1"/>
+          </a:fillRef>
+          <a:effectRef idx="0">
+            <a:schemeClr val="accent1"/>
+          </a:effectRef>
+          <a:fontRef idx="minor">
+            <a:schemeClr val="lt1"/>
+          </a:fontRef>
+        </p:style>
+        <p:txBody>
+          <a:bodyPr rtlCol="0" anchor="ctr"/>
+          <a:lstStyle/>
+          <a:p>
+            <a:pPr algn="ctr"/>
+            <a:endParaRPr lang="en-US"/>
+          </a:p>
+        </p:txBody>
+      </p:sp>
+      <p:sp>
+        <p:nvSpPr>
+          <p:cNvPr id="10" name="Arrow: Left 9">
+            <a:extLst>
+              <a:ext uri="{FF2B5EF4-FFF2-40B4-BE49-F238E27FC236}">
+                <a16:creationId xmlns:a16="http://schemas.microsoft.com/office/drawing/2014/main" id="{7CA9CC85-84DE-8E14-15C6-6488A6AAD109}"/>
+              </a:ext>
+            </a:extLst>
+          </p:cNvPr>
+          <p:cNvSpPr/>
+          <p:nvPr/>
+        </p:nvSpPr>
+        <p:spPr>
+          <a:xfrm rot="2247223">
+            <a:off x="10175733" y="2905666"/>
+            <a:ext cx="1081178" cy="500332"/>
+          </a:xfrm>
+          <a:prstGeom prst="leftArrow">
+            <a:avLst/>
+          </a:prstGeom>
+        </p:spPr>
+        <p:style>
+          <a:lnRef idx="2">
+            <a:schemeClr val="accent1">
+              <a:shade val="15000"/>
+            </a:schemeClr>
+          </a:lnRef>
+          <a:fillRef idx="1">
+            <a:schemeClr val="accent1"/>
+          </a:fillRef>
+          <a:effectRef idx="0">
+            <a:schemeClr val="accent1"/>
+          </a:effectRef>
+          <a:fontRef idx="minor">
+            <a:schemeClr val="lt1"/>
+          </a:fontRef>
+        </p:style>
+        <p:txBody>
+          <a:bodyPr rtlCol="0" anchor="ctr"/>
+          <a:lstStyle/>
+          <a:p>
+            <a:pPr algn="ctr"/>
+            <a:endParaRPr lang="en-US"/>
+          </a:p>
+        </p:txBody>
+      </p:sp>
+      <p:sp>
+        <p:nvSpPr>
+          <p:cNvPr id="11" name="Oval 10">
+            <a:extLst>
+              <a:ext uri="{FF2B5EF4-FFF2-40B4-BE49-F238E27FC236}">
+                <a16:creationId xmlns:a16="http://schemas.microsoft.com/office/drawing/2014/main" id="{2C6BC746-764C-1056-95E1-F0AEE5070526}"/>
+              </a:ext>
+            </a:extLst>
+          </p:cNvPr>
+          <p:cNvSpPr/>
+          <p:nvPr/>
+        </p:nvSpPr>
+        <p:spPr>
+          <a:xfrm>
+            <a:off x="8628071" y="5867640"/>
+            <a:ext cx="564995" cy="564995"/>
+          </a:xfrm>
+          <a:prstGeom prst="ellipse">
+            <a:avLst/>
+          </a:prstGeom>
+        </p:spPr>
+        <p:style>
+          <a:lnRef idx="2">
+            <a:schemeClr val="accent1">
+              <a:shade val="15000"/>
+            </a:schemeClr>
+          </a:lnRef>
+          <a:fillRef idx="1">
+            <a:schemeClr val="accent1"/>
+          </a:fillRef>
+          <a:effectRef idx="0">
+            <a:schemeClr val="accent1"/>
+          </a:effectRef>
+          <a:fontRef idx="minor">
+            <a:schemeClr val="lt1"/>
+          </a:fontRef>
+        </p:style>
+        <p:txBody>
+          <a:bodyPr rtlCol="0" anchor="ctr"/>
+          <a:lstStyle/>
+          <a:p>
+            <a:pPr algn="ctr"/>
+            <a:r>
+              <a:rPr lang="en-US" dirty="0"/>
+              <a:t>1</a:t>
+            </a:r>
+          </a:p>
+        </p:txBody>
+      </p:sp>
+      <p:sp>
+        <p:nvSpPr>
+          <p:cNvPr id="12" name="Oval 11">
+            <a:extLst>
+              <a:ext uri="{FF2B5EF4-FFF2-40B4-BE49-F238E27FC236}">
+                <a16:creationId xmlns:a16="http://schemas.microsoft.com/office/drawing/2014/main" id="{B072620E-7645-71FB-49D8-F44C31F476CF}"/>
+              </a:ext>
+            </a:extLst>
+          </p:cNvPr>
+          <p:cNvSpPr/>
+          <p:nvPr/>
+        </p:nvSpPr>
+        <p:spPr>
+          <a:xfrm>
+            <a:off x="9631268" y="48396"/>
+            <a:ext cx="564995" cy="564995"/>
+          </a:xfrm>
+          <a:prstGeom prst="ellipse">
+            <a:avLst/>
+          </a:prstGeom>
+        </p:spPr>
+        <p:style>
+          <a:lnRef idx="2">
+            <a:schemeClr val="accent1">
+              <a:shade val="15000"/>
+            </a:schemeClr>
+          </a:lnRef>
+          <a:fillRef idx="1">
+            <a:schemeClr val="accent1"/>
+          </a:fillRef>
+          <a:effectRef idx="0">
+            <a:schemeClr val="accent1"/>
+          </a:effectRef>
+          <a:fontRef idx="minor">
+            <a:schemeClr val="lt1"/>
+          </a:fontRef>
+        </p:style>
+        <p:txBody>
+          <a:bodyPr rtlCol="0" anchor="ctr"/>
+          <a:lstStyle/>
+          <a:p>
+            <a:pPr algn="ctr"/>
+            <a:r>
+              <a:rPr lang="en-US" dirty="0"/>
+              <a:t>2</a:t>
+            </a:r>
+          </a:p>
+        </p:txBody>
+      </p:sp>
+      <p:sp>
+        <p:nvSpPr>
+          <p:cNvPr id="13" name="Oval 12">
+            <a:extLst>
+              <a:ext uri="{FF2B5EF4-FFF2-40B4-BE49-F238E27FC236}">
+                <a16:creationId xmlns:a16="http://schemas.microsoft.com/office/drawing/2014/main" id="{5093140D-9B3E-FFF8-B8CE-1B79F9BF299E}"/>
+              </a:ext>
+            </a:extLst>
+          </p:cNvPr>
+          <p:cNvSpPr/>
+          <p:nvPr/>
+        </p:nvSpPr>
+        <p:spPr>
+          <a:xfrm>
+            <a:off x="10716322" y="2743761"/>
+            <a:ext cx="564995" cy="564995"/>
+          </a:xfrm>
+          <a:prstGeom prst="ellipse">
+            <a:avLst/>
+          </a:prstGeom>
+        </p:spPr>
+        <p:style>
+          <a:lnRef idx="2">
+            <a:schemeClr val="accent1">
+              <a:shade val="15000"/>
+            </a:schemeClr>
+          </a:lnRef>
+          <a:fillRef idx="1">
+            <a:schemeClr val="accent1"/>
+          </a:fillRef>
+          <a:effectRef idx="0">
+            <a:schemeClr val="accent1"/>
+          </a:effectRef>
+          <a:fontRef idx="minor">
+            <a:schemeClr val="lt1"/>
+          </a:fontRef>
+        </p:style>
+        <p:txBody>
+          <a:bodyPr rtlCol="0" anchor="ctr"/>
+          <a:lstStyle/>
+          <a:p>
+            <a:pPr algn="ctr"/>
+            <a:r>
+              <a:rPr lang="en-US" dirty="0"/>
+              <a:t>3</a:t>
+            </a:r>
+          </a:p>
+        </p:txBody>
+      </p:sp>
+    </p:spTree>
+    <p:extLst>
+      <p:ext uri="{BB962C8B-B14F-4D97-AF65-F5344CB8AC3E}">
+        <p14:creationId xmlns:p14="http://schemas.microsoft.com/office/powerpoint/2010/main" val="4171221275"/>
+      </p:ext>
+    </p:extLst>
+  </p:cSld>
+  <p:clrMapOvr>
+    <a:masterClrMapping/>
+  </p:clrMapOvr>
+</p:sld>
+</file>
+
+<file path=ppt/slides/slide17.xml><?xml version="1.0" encoding="utf-8"?>
+<p:sld xmlns:a="http://schemas.openxmlformats.org/drawingml/2006/main" xmlns:r="http://schemas.openxmlformats.org/officeDocument/2006/relationships" xmlns:p="http://schemas.openxmlformats.org/presentationml/2006/main">
+  <p:cSld>
+    <p:spTree>
+      <p:nvGrpSpPr>
+        <p:cNvPr id="1" name=""/>
+        <p:cNvGrpSpPr/>
+        <p:nvPr/>
+      </p:nvGrpSpPr>
+      <p:grpSpPr>
+        <a:xfrm>
+          <a:off x="0" y="0"/>
+          <a:ext cx="0" cy="0"/>
+          <a:chOff x="0" y="0"/>
+          <a:chExt cx="0" cy="0"/>
+        </a:xfrm>
+      </p:grpSpPr>
+      <p:pic>
+        <p:nvPicPr>
+          <p:cNvPr id="5" name="Picture 4">
+            <a:extLst>
+              <a:ext uri="{FF2B5EF4-FFF2-40B4-BE49-F238E27FC236}">
+                <a16:creationId xmlns:a16="http://schemas.microsoft.com/office/drawing/2014/main" id="{4BBC9374-CA21-2E62-BF4D-F20C6621AE02}"/>
+              </a:ext>
+            </a:extLst>
+          </p:cNvPr>
+          <p:cNvPicPr>
+            <a:picLocks noChangeAspect="1"/>
+          </p:cNvPicPr>
+          <p:nvPr/>
+        </p:nvPicPr>
+        <p:blipFill>
+          <a:blip r:embed="rId2"/>
+          <a:stretch>
+            <a:fillRect/>
+          </a:stretch>
+        </p:blipFill>
+        <p:spPr>
+          <a:xfrm>
+            <a:off x="259109" y="525062"/>
+            <a:ext cx="5652123" cy="6075503"/>
+          </a:xfrm>
+          <a:prstGeom prst="rect">
+            <a:avLst/>
+          </a:prstGeom>
+        </p:spPr>
+      </p:pic>
+      <p:sp>
+        <p:nvSpPr>
+          <p:cNvPr id="6" name="Arrow: Left 5">
+            <a:extLst>
+              <a:ext uri="{FF2B5EF4-FFF2-40B4-BE49-F238E27FC236}">
+                <a16:creationId xmlns:a16="http://schemas.microsoft.com/office/drawing/2014/main" id="{7CEA3FDD-FE16-5F6A-E531-D0F32EA80B7E}"/>
+              </a:ext>
+            </a:extLst>
+          </p:cNvPr>
+          <p:cNvSpPr/>
+          <p:nvPr/>
+        </p:nvSpPr>
+        <p:spPr>
+          <a:xfrm rot="9311462">
+            <a:off x="2213016" y="3178834"/>
+            <a:ext cx="1081178" cy="500332"/>
+          </a:xfrm>
+          <a:prstGeom prst="leftArrow">
+            <a:avLst/>
+          </a:prstGeom>
+        </p:spPr>
+        <p:style>
+          <a:lnRef idx="2">
+            <a:schemeClr val="accent1">
+              <a:shade val="15000"/>
+            </a:schemeClr>
+          </a:lnRef>
+          <a:fillRef idx="1">
+            <a:schemeClr val="accent1"/>
+          </a:fillRef>
+          <a:effectRef idx="0">
+            <a:schemeClr val="accent1"/>
+          </a:effectRef>
+          <a:fontRef idx="minor">
+            <a:schemeClr val="lt1"/>
+          </a:fontRef>
+        </p:style>
+        <p:txBody>
+          <a:bodyPr rtlCol="0" anchor="ctr"/>
+          <a:lstStyle/>
+          <a:p>
+            <a:pPr algn="ctr"/>
+            <a:endParaRPr lang="en-US"/>
+          </a:p>
+        </p:txBody>
+      </p:sp>
+      <p:pic>
+        <p:nvPicPr>
+          <p:cNvPr id="8" name="Picture 7">
+            <a:extLst>
+              <a:ext uri="{FF2B5EF4-FFF2-40B4-BE49-F238E27FC236}">
+                <a16:creationId xmlns:a16="http://schemas.microsoft.com/office/drawing/2014/main" id="{C9966EF0-4CF0-B50E-334B-16406879B651}"/>
+              </a:ext>
+            </a:extLst>
+          </p:cNvPr>
+          <p:cNvPicPr>
+            <a:picLocks noChangeAspect="1"/>
+          </p:cNvPicPr>
+          <p:nvPr/>
+        </p:nvPicPr>
+        <p:blipFill>
+          <a:blip r:embed="rId3"/>
+          <a:stretch>
+            <a:fillRect/>
+          </a:stretch>
+        </p:blipFill>
+        <p:spPr>
+          <a:xfrm>
+            <a:off x="6096000" y="2432574"/>
+            <a:ext cx="5986593" cy="1740092"/>
+          </a:xfrm>
+          <a:prstGeom prst="rect">
+            <a:avLst/>
+          </a:prstGeom>
+        </p:spPr>
+      </p:pic>
+      <p:sp>
+        <p:nvSpPr>
+          <p:cNvPr id="9" name="Arrow: Left 8">
+            <a:extLst>
+              <a:ext uri="{FF2B5EF4-FFF2-40B4-BE49-F238E27FC236}">
+                <a16:creationId xmlns:a16="http://schemas.microsoft.com/office/drawing/2014/main" id="{AAAAFAC1-4513-6BEF-7DBE-45F712BEF758}"/>
+              </a:ext>
+            </a:extLst>
+          </p:cNvPr>
+          <p:cNvSpPr/>
+          <p:nvPr/>
+        </p:nvSpPr>
+        <p:spPr>
+          <a:xfrm rot="19331985">
+            <a:off x="7968230" y="2523452"/>
+            <a:ext cx="1081178" cy="500332"/>
+          </a:xfrm>
+          <a:prstGeom prst="leftArrow">
+            <a:avLst/>
+          </a:prstGeom>
+        </p:spPr>
+        <p:style>
+          <a:lnRef idx="2">
+            <a:schemeClr val="accent1">
+              <a:shade val="15000"/>
+            </a:schemeClr>
+          </a:lnRef>
+          <a:fillRef idx="1">
+            <a:schemeClr val="accent1"/>
+          </a:fillRef>
+          <a:effectRef idx="0">
+            <a:schemeClr val="accent1"/>
+          </a:effectRef>
+          <a:fontRef idx="minor">
+            <a:schemeClr val="lt1"/>
+          </a:fontRef>
+        </p:style>
+        <p:txBody>
+          <a:bodyPr rtlCol="0" anchor="ctr"/>
+          <a:lstStyle/>
+          <a:p>
+            <a:pPr algn="ctr"/>
+            <a:endParaRPr lang="en-US"/>
+          </a:p>
+        </p:txBody>
+      </p:sp>
+      <p:sp>
+        <p:nvSpPr>
+          <p:cNvPr id="10" name="TextBox 9">
+            <a:extLst>
+              <a:ext uri="{FF2B5EF4-FFF2-40B4-BE49-F238E27FC236}">
+                <a16:creationId xmlns:a16="http://schemas.microsoft.com/office/drawing/2014/main" id="{41C5156E-A733-AF51-25E7-C8D057C9230D}"/>
+              </a:ext>
+            </a:extLst>
+          </p:cNvPr>
+          <p:cNvSpPr txBox="1"/>
+          <p:nvPr/>
+        </p:nvSpPr>
+        <p:spPr>
+          <a:xfrm>
+            <a:off x="7396976" y="1226634"/>
+            <a:ext cx="2006960" cy="369332"/>
+          </a:xfrm>
+          <a:prstGeom prst="rect">
+            <a:avLst/>
+          </a:prstGeom>
+          <a:noFill/>
+        </p:spPr>
+        <p:txBody>
+          <a:bodyPr wrap="none" rtlCol="0">
+            <a:spAutoFit/>
+          </a:bodyPr>
+          <a:lstStyle/>
+          <a:p>
+            <a:r>
+              <a:rPr lang="en-US" dirty="0"/>
+              <a:t>Enter “</a:t>
+            </a:r>
+            <a:r>
+              <a:rPr lang="en-US" dirty="0" err="1"/>
+              <a:t>robotName</a:t>
+            </a:r>
+            <a:r>
+              <a:rPr lang="en-US" dirty="0"/>
+              <a:t>”</a:t>
+            </a:r>
+          </a:p>
+        </p:txBody>
+      </p:sp>
+      <p:sp>
+        <p:nvSpPr>
+          <p:cNvPr id="11" name="Arrow: Left 10">
+            <a:extLst>
+              <a:ext uri="{FF2B5EF4-FFF2-40B4-BE49-F238E27FC236}">
+                <a16:creationId xmlns:a16="http://schemas.microsoft.com/office/drawing/2014/main" id="{33A51BB5-2365-D302-53AA-5F53CAC3FB5F}"/>
+              </a:ext>
+            </a:extLst>
+          </p:cNvPr>
+          <p:cNvSpPr/>
+          <p:nvPr/>
+        </p:nvSpPr>
+        <p:spPr>
+          <a:xfrm rot="2369087">
+            <a:off x="7574219" y="3487478"/>
+            <a:ext cx="1081178" cy="500332"/>
+          </a:xfrm>
+          <a:prstGeom prst="leftArrow">
+            <a:avLst/>
+          </a:prstGeom>
+        </p:spPr>
+        <p:style>
+          <a:lnRef idx="2">
+            <a:schemeClr val="accent1">
+              <a:shade val="15000"/>
+            </a:schemeClr>
+          </a:lnRef>
+          <a:fillRef idx="1">
+            <a:schemeClr val="accent1"/>
+          </a:fillRef>
+          <a:effectRef idx="0">
+            <a:schemeClr val="accent1"/>
+          </a:effectRef>
+          <a:fontRef idx="minor">
+            <a:schemeClr val="lt1"/>
+          </a:fontRef>
+        </p:style>
+        <p:txBody>
+          <a:bodyPr rtlCol="0" anchor="ctr"/>
+          <a:lstStyle/>
+          <a:p>
+            <a:pPr algn="ctr"/>
+            <a:endParaRPr lang="en-US"/>
+          </a:p>
+        </p:txBody>
+      </p:sp>
+      <p:sp>
+        <p:nvSpPr>
+          <p:cNvPr id="12" name="TextBox 11">
+            <a:extLst>
+              <a:ext uri="{FF2B5EF4-FFF2-40B4-BE49-F238E27FC236}">
+                <a16:creationId xmlns:a16="http://schemas.microsoft.com/office/drawing/2014/main" id="{1044DC5C-CCA0-7C08-5712-1193547F8A01}"/>
+              </a:ext>
+            </a:extLst>
+          </p:cNvPr>
+          <p:cNvSpPr txBox="1"/>
+          <p:nvPr/>
+        </p:nvSpPr>
+        <p:spPr>
+          <a:xfrm>
+            <a:off x="7345525" y="4571581"/>
+            <a:ext cx="2567306" cy="369332"/>
+          </a:xfrm>
+          <a:prstGeom prst="rect">
+            <a:avLst/>
+          </a:prstGeom>
+          <a:noFill/>
+        </p:spPr>
+        <p:txBody>
+          <a:bodyPr wrap="none" rtlCol="0">
+            <a:spAutoFit/>
+          </a:bodyPr>
+          <a:lstStyle/>
+          <a:p>
+            <a:r>
+              <a:rPr lang="en-US" dirty="0"/>
+              <a:t>Enter YOUR robot’s name</a:t>
+            </a:r>
+          </a:p>
+        </p:txBody>
+      </p:sp>
+    </p:spTree>
+    <p:extLst>
+      <p:ext uri="{BB962C8B-B14F-4D97-AF65-F5344CB8AC3E}">
+        <p14:creationId xmlns:p14="http://schemas.microsoft.com/office/powerpoint/2010/main" val="2317207141"/>
+      </p:ext>
+    </p:extLst>
+  </p:cSld>
+  <p:clrMapOvr>
+    <a:masterClrMapping/>
+  </p:clrMapOvr>
+</p:sld>
+</file>
+
+<file path=ppt/slides/slide18.xml><?xml version="1.0" encoding="utf-8"?>
+<p:sld xmlns:a="http://schemas.openxmlformats.org/drawingml/2006/main" xmlns:r="http://schemas.openxmlformats.org/officeDocument/2006/relationships" xmlns:p="http://schemas.openxmlformats.org/presentationml/2006/main">
+  <p:cSld>
+    <p:spTree>
+      <p:nvGrpSpPr>
+        <p:cNvPr id="1" name=""/>
+        <p:cNvGrpSpPr/>
+        <p:nvPr/>
+      </p:nvGrpSpPr>
+      <p:grpSpPr>
+        <a:xfrm>
+          <a:off x="0" y="0"/>
+          <a:ext cx="0" cy="0"/>
+          <a:chOff x="0" y="0"/>
+          <a:chExt cx="0" cy="0"/>
+        </a:xfrm>
+      </p:grpSpPr>
       <p:sp>
         <p:nvSpPr>
           <p:cNvPr id="2" name="Title 1">
@@ -3812,14 +5290,55 @@
             <p:ph idx="1"/>
           </p:nvPr>
         </p:nvSpPr>
-        <p:spPr/>
-        <p:txBody>
-          <a:bodyPr/>
+        <p:spPr>
+          <a:xfrm>
+            <a:off x="563136" y="1610035"/>
+            <a:ext cx="4692805" cy="4351338"/>
+          </a:xfrm>
+        </p:spPr>
+        <p:txBody>
+          <a:bodyPr>
+            <a:normAutofit fontScale="85000" lnSpcReduction="10000"/>
+          </a:bodyPr>
           <a:lstStyle/>
           <a:p>
             <a:r>
               <a:rPr lang="en-US" dirty="0"/>
-              <a:t>Last step, I promise! Add a keyboard shortcut to run the programs that we write. Ctrl-Shift-P &gt; Preferences: Open Keyboard Shortcuts (JSON). Edit the JSON to add the keyboard shortcut to run the task. Paste in the code below at the bottom of </a:t>
+              <a:t>Last step, I promise! Add a keyboard shortcut to run the programs that we write. Ctrl-Shift-P &gt; Preferences: Open Keyboard Shortcuts (JSON). </a:t>
+            </a:r>
+          </a:p>
+          <a:p>
+            <a:r>
+              <a:rPr lang="en-US" dirty="0"/>
+              <a:t>Pro-tip: type Ctrl-Shift-P, then type “op </a:t>
+            </a:r>
+            <a:r>
+              <a:rPr lang="en-US" dirty="0" err="1"/>
+              <a:t>ke</a:t>
+            </a:r>
+            <a:r>
+              <a:rPr lang="en-US" dirty="0"/>
+              <a:t> </a:t>
+            </a:r>
+            <a:r>
+              <a:rPr lang="en-US" dirty="0" err="1"/>
+              <a:t>sh</a:t>
+            </a:r>
+            <a:r>
+              <a:rPr lang="en-US" dirty="0"/>
+              <a:t>”. </a:t>
+            </a:r>
+          </a:p>
+          <a:p>
+            <a:r>
+              <a:rPr lang="en-US" dirty="0"/>
+              <a:t>Make sure you choose the entry that says “JSON” at the end</a:t>
+            </a:r>
+          </a:p>
+          <a:p>
+            <a:r>
+              <a:rPr lang="en-US" dirty="0"/>
+              <a:t>Edit the JSON to add the keyboard shortcut to run the task. Paste in the code below at the bottom of </a:t>
             </a:r>
             <a:r>
               <a:rPr lang="en-US" dirty="0" err="1"/>
@@ -3832,6 +5351,66 @@
           </a:p>
         </p:txBody>
       </p:sp>
+      <p:pic>
+        <p:nvPicPr>
+          <p:cNvPr id="5" name="Picture 4">
+            <a:extLst>
+              <a:ext uri="{FF2B5EF4-FFF2-40B4-BE49-F238E27FC236}">
+                <a16:creationId xmlns:a16="http://schemas.microsoft.com/office/drawing/2014/main" id="{875D8A22-0A74-A61A-7BDD-E04D90B03516}"/>
+              </a:ext>
+            </a:extLst>
+          </p:cNvPr>
+          <p:cNvPicPr>
+            <a:picLocks noChangeAspect="1"/>
+          </p:cNvPicPr>
+          <p:nvPr/>
+        </p:nvPicPr>
+        <p:blipFill>
+          <a:blip r:embed="rId2"/>
+          <a:stretch>
+            <a:fillRect/>
+          </a:stretch>
+        </p:blipFill>
+        <p:spPr>
+          <a:xfrm>
+            <a:off x="5671459" y="3278459"/>
+            <a:ext cx="6399182" cy="3211863"/>
+          </a:xfrm>
+          <a:prstGeom prst="rect">
+            <a:avLst/>
+          </a:prstGeom>
+        </p:spPr>
+      </p:pic>
+      <p:pic>
+        <p:nvPicPr>
+          <p:cNvPr id="7" name="Picture 6">
+            <a:extLst>
+              <a:ext uri="{FF2B5EF4-FFF2-40B4-BE49-F238E27FC236}">
+                <a16:creationId xmlns:a16="http://schemas.microsoft.com/office/drawing/2014/main" id="{C01F6F5E-93B7-E0CB-DBF3-809B2B5350DE}"/>
+              </a:ext>
+            </a:extLst>
+          </p:cNvPr>
+          <p:cNvPicPr>
+            <a:picLocks noChangeAspect="1"/>
+          </p:cNvPicPr>
+          <p:nvPr/>
+        </p:nvPicPr>
+        <p:blipFill>
+          <a:blip r:embed="rId3"/>
+          <a:stretch>
+            <a:fillRect/>
+          </a:stretch>
+        </p:blipFill>
+        <p:spPr>
+          <a:xfrm>
+            <a:off x="5612944" y="1327142"/>
+            <a:ext cx="6393038" cy="1714689"/>
+          </a:xfrm>
+          <a:prstGeom prst="rect">
+            <a:avLst/>
+          </a:prstGeom>
+        </p:spPr>
+      </p:pic>
     </p:spTree>
     <p:extLst>
       <p:ext uri="{BB962C8B-B14F-4D97-AF65-F5344CB8AC3E}">
@@ -3845,7 +5424,7 @@
 </p:sld>
 </file>
 
-<file path=ppt/slides/slide14.xml><?xml version="1.0" encoding="utf-8"?>
+<file path=ppt/slides/slide19.xml><?xml version="1.0" encoding="utf-8"?>
 <p:sld xmlns:a="http://schemas.openxmlformats.org/drawingml/2006/main" xmlns:r="http://schemas.openxmlformats.org/officeDocument/2006/relationships" xmlns:p="http://schemas.openxmlformats.org/presentationml/2006/main">
   <p:cSld>
     <p:spTree>
@@ -4017,6 +5596,16 @@
           <a:p>
             <a:pPr algn="l"/>
             <a:r>
+              <a:rPr lang="en-US" b="1" i="0" dirty="0">
+                <a:solidFill>
+                  <a:srgbClr val="1F2328"/>
+                </a:solidFill>
+                <a:effectLst/>
+                <a:latin typeface="-apple-system"/>
+              </a:rPr>
+              <a:t>VS Code</a:t>
+            </a:r>
+            <a:r>
               <a:rPr lang="en-US" b="0" i="0" dirty="0">
                 <a:solidFill>
                   <a:srgbClr val="1F2328"/>
@@ -4024,7 +5613,7 @@
                 <a:effectLst/>
                 <a:latin typeface="-apple-system"/>
               </a:rPr>
-              <a:t>VS Code </a:t>
+              <a:t> </a:t>
             </a:r>
             <a:r>
               <a:rPr lang="en-US" b="0" i="0" u="none" strike="noStrike" dirty="0">
@@ -4060,6 +5649,16 @@
           <a:p>
             <a:pPr algn="l"/>
             <a:r>
+              <a:rPr lang="en-US" b="1" i="0" dirty="0">
+                <a:solidFill>
+                  <a:srgbClr val="1F2328"/>
+                </a:solidFill>
+                <a:effectLst/>
+                <a:latin typeface="-apple-system"/>
+              </a:rPr>
+              <a:t>Python 3</a:t>
+            </a:r>
+            <a:r>
               <a:rPr lang="en-US" b="0" i="0" dirty="0">
                 <a:solidFill>
                   <a:srgbClr val="1F2328"/>
@@ -4067,7 +5666,7 @@
                 <a:effectLst/>
                 <a:latin typeface="-apple-system"/>
               </a:rPr>
-              <a:t>Python 3 </a:t>
+              <a:t> </a:t>
             </a:r>
             <a:r>
               <a:rPr lang="en-US" b="0" i="0" u="none" strike="noStrike" dirty="0">
@@ -4103,7 +5702,7 @@
           <a:p>
             <a:pPr algn="l"/>
             <a:r>
-              <a:rPr lang="en-US" b="0" i="0" dirty="0">
+              <a:rPr lang="en-US" b="1" i="0" dirty="0">
                 <a:solidFill>
                   <a:srgbClr val="1F2328"/>
                 </a:solidFill>
@@ -4146,7 +5745,7 @@
           <a:p>
             <a:pPr algn="l"/>
             <a:r>
-              <a:rPr lang="en-US" b="0" i="0" dirty="0" err="1">
+              <a:rPr lang="en-US" b="1" i="0" dirty="0" err="1">
                 <a:solidFill>
                   <a:srgbClr val="1F2328"/>
                 </a:solidFill>
@@ -4327,7 +5926,33 @@
           <a:bodyPr/>
           <a:lstStyle/>
           <a:p>
-            <a:endParaRPr lang="en-US"/>
+            <a:r>
+              <a:rPr lang="en-US" dirty="0">
+                <a:hlinkClick r:id="rId2"/>
+              </a:rPr>
+              <a:t>http://github.com</a:t>
+            </a:r>
+            <a:endParaRPr lang="en-US" dirty="0"/>
+          </a:p>
+          <a:p>
+            <a:r>
+              <a:rPr lang="en-US" dirty="0"/>
+              <a:t>You will need a phone or </a:t>
+            </a:r>
+            <a:r>
+              <a:rPr lang="en-US" dirty="0" err="1"/>
+              <a:t>yubi</a:t>
+            </a:r>
+            <a:r>
+              <a:rPr lang="en-US" dirty="0"/>
+              <a:t> key to set up 2FA</a:t>
+            </a:r>
+          </a:p>
+          <a:p>
+            <a:r>
+              <a:rPr lang="en-US" dirty="0"/>
+              <a:t>Do NOT forget your username and password. </a:t>
+            </a:r>
           </a:p>
         </p:txBody>
       </p:sp>
@@ -4410,7 +6035,10 @@
           <a:bodyPr/>
           <a:lstStyle/>
           <a:p>
-            <a:endParaRPr lang="en-US"/>
+            <a:r>
+              <a:rPr lang="en-US" dirty="0"/>
+              <a:t>One of the coaches will invite you to be a collaborator on the team repository</a:t>
+            </a:r>
           </a:p>
         </p:txBody>
       </p:sp>
@@ -4493,7 +6121,18 @@
           <a:bodyPr/>
           <a:lstStyle/>
           <a:p>
-            <a:endParaRPr lang="en-US"/>
+            <a:r>
+              <a:rPr lang="en-US" dirty="0"/>
+              <a:t>Look at your </a:t>
+            </a:r>
+            <a:r>
+              <a:rPr lang="en-US" dirty="0" err="1"/>
+              <a:t>github</a:t>
+            </a:r>
+            <a:r>
+              <a:rPr lang="en-US" dirty="0"/>
+              <a:t> notifications. Click “accept”</a:t>
+            </a:r>
           </a:p>
         </p:txBody>
       </p:sp>
@@ -4590,14 +6229,121 @@
                 <a:effectLst/>
                 <a:latin typeface="-apple-system"/>
               </a:rPr>
+              <a:t>Open VS </a:t>
+            </a:r>
+            <a:r>
+              <a:rPr lang="es-ES" b="0" i="0" dirty="0" err="1">
+                <a:solidFill>
+                  <a:srgbClr val="1F2328"/>
+                </a:solidFill>
+                <a:effectLst/>
+                <a:latin typeface="-apple-system"/>
+              </a:rPr>
+              <a:t>Code</a:t>
+            </a:r>
+            <a:r>
+              <a:rPr lang="es-ES" b="0" i="0" dirty="0">
+                <a:solidFill>
+                  <a:srgbClr val="1F2328"/>
+                </a:solidFill>
+                <a:effectLst/>
+                <a:latin typeface="-apple-system"/>
+              </a:rPr>
+              <a:t> and </a:t>
+            </a:r>
+            <a:r>
+              <a:rPr lang="es-ES" b="0" i="0" dirty="0" err="1">
+                <a:solidFill>
+                  <a:srgbClr val="1F2328"/>
+                </a:solidFill>
+                <a:effectLst/>
+                <a:latin typeface="-apple-system"/>
+              </a:rPr>
+              <a:t>install</a:t>
+            </a:r>
+            <a:r>
+              <a:rPr lang="es-ES" b="0" i="0" dirty="0">
+                <a:solidFill>
+                  <a:srgbClr val="1F2328"/>
+                </a:solidFill>
+                <a:effectLst/>
+                <a:latin typeface="-apple-system"/>
+              </a:rPr>
+              <a:t> </a:t>
+            </a:r>
+            <a:r>
+              <a:rPr lang="es-ES" b="0" i="0" dirty="0" err="1">
+                <a:solidFill>
+                  <a:srgbClr val="1F2328"/>
+                </a:solidFill>
+                <a:effectLst/>
+                <a:latin typeface="-apple-system"/>
+              </a:rPr>
+              <a:t>the</a:t>
+            </a:r>
+            <a:r>
+              <a:rPr lang="es-ES" b="0" i="0" dirty="0">
+                <a:solidFill>
+                  <a:srgbClr val="1F2328"/>
+                </a:solidFill>
+                <a:effectLst/>
+                <a:latin typeface="-apple-system"/>
+              </a:rPr>
+              <a:t> </a:t>
+            </a:r>
+            <a:r>
+              <a:rPr lang="es-ES" b="0" i="0" dirty="0" err="1">
+                <a:solidFill>
+                  <a:srgbClr val="1F2328"/>
+                </a:solidFill>
+                <a:effectLst/>
+                <a:latin typeface="-apple-system"/>
+              </a:rPr>
+              <a:t>following</a:t>
+            </a:r>
+            <a:r>
+              <a:rPr lang="es-ES" b="0" i="0" dirty="0">
+                <a:solidFill>
+                  <a:srgbClr val="1F2328"/>
+                </a:solidFill>
+                <a:effectLst/>
+                <a:latin typeface="-apple-system"/>
+              </a:rPr>
+              <a:t> </a:t>
+            </a:r>
+            <a:r>
+              <a:rPr lang="es-ES" b="0" i="0" dirty="0" err="1">
+                <a:solidFill>
+                  <a:srgbClr val="1F2328"/>
+                </a:solidFill>
+                <a:effectLst/>
+                <a:latin typeface="-apple-system"/>
+              </a:rPr>
+              <a:t>extensions</a:t>
+            </a:r>
+            <a:endParaRPr lang="es-ES" b="0" i="0" dirty="0">
+              <a:solidFill>
+                <a:srgbClr val="1F2328"/>
+              </a:solidFill>
+              <a:effectLst/>
+              <a:latin typeface="-apple-system"/>
+            </a:endParaRPr>
+          </a:p>
+          <a:p>
+            <a:pPr lvl="1"/>
+            <a:r>
+              <a:rPr lang="es-ES" b="0" i="0" dirty="0">
+                <a:solidFill>
+                  <a:srgbClr val="1F2328"/>
+                </a:solidFill>
+                <a:effectLst/>
+                <a:latin typeface="-apple-system"/>
+              </a:rPr>
               <a:t>Error Lens</a:t>
             </a:r>
           </a:p>
           <a:p>
-            <a:pPr algn="l">
-              <a:buFont typeface="Arial" panose="020B0604020202020204" pitchFamily="34" charset="0"/>
-              <a:buChar char="•"/>
-            </a:pPr>
+            <a:pPr lvl="1"/>
             <a:r>
               <a:rPr lang="es-ES" b="0" i="0" dirty="0">
                 <a:solidFill>
@@ -4627,10 +6373,7 @@
             </a:endParaRPr>
           </a:p>
           <a:p>
-            <a:pPr algn="l">
-              <a:buFont typeface="Arial" panose="020B0604020202020204" pitchFamily="34" charset="0"/>
-              <a:buChar char="•"/>
-            </a:pPr>
+            <a:pPr lvl="1"/>
             <a:r>
               <a:rPr lang="es-ES" b="0" i="0" dirty="0">
                 <a:solidFill>
@@ -4680,6 +6423,7 @@
             </a:endParaRPr>
           </a:p>
           <a:p>
+            <a:pPr lvl="1"/>
             <a:r>
               <a:rPr lang="es-ES" b="0" i="0" dirty="0">
                 <a:solidFill>
@@ -4709,10 +6453,7 @@
             </a:endParaRPr>
           </a:p>
           <a:p>
-            <a:pPr algn="l">
-              <a:buFont typeface="Arial" panose="020B0604020202020204" pitchFamily="34" charset="0"/>
-              <a:buChar char="•"/>
-            </a:pPr>
+            <a:pPr lvl="1"/>
             <a:r>
               <a:rPr lang="es-ES" b="0" i="0" dirty="0">
                 <a:solidFill>
@@ -4742,10 +6483,153 @@
             </a:endParaRPr>
           </a:p>
           <a:p>
+            <a:pPr lvl="1"/>
             <a:r>
               <a:rPr lang="en-US" dirty="0"/>
               <a:t>PDF Viewer</a:t>
             </a:r>
+          </a:p>
+          <a:p>
+            <a:r>
+              <a:rPr lang="en-US" dirty="0"/>
+              <a:t>Restart VS Code</a:t>
+            </a:r>
+          </a:p>
+          <a:p>
+            <a:r>
+              <a:rPr lang="en-US" dirty="0"/>
+              <a:t>Clone the Team’s Repository and open the project</a:t>
+            </a:r>
+          </a:p>
+        </p:txBody>
+      </p:sp>
+      <p:pic>
+        <p:nvPicPr>
+          <p:cNvPr id="5" name="Picture 4">
+            <a:extLst>
+              <a:ext uri="{FF2B5EF4-FFF2-40B4-BE49-F238E27FC236}">
+                <a16:creationId xmlns:a16="http://schemas.microsoft.com/office/drawing/2014/main" id="{E0F76FB3-CF13-BD09-E84A-EBDBE8AC10BC}"/>
+              </a:ext>
+            </a:extLst>
+          </p:cNvPr>
+          <p:cNvPicPr>
+            <a:picLocks noChangeAspect="1"/>
+          </p:cNvPicPr>
+          <p:nvPr/>
+        </p:nvPicPr>
+        <p:blipFill>
+          <a:blip r:embed="rId2"/>
+          <a:stretch>
+            <a:fillRect/>
+          </a:stretch>
+        </p:blipFill>
+        <p:spPr>
+          <a:xfrm>
+            <a:off x="9031754" y="365125"/>
+            <a:ext cx="2083030" cy="6397272"/>
+          </a:xfrm>
+          <a:prstGeom prst="rect">
+            <a:avLst/>
+          </a:prstGeom>
+        </p:spPr>
+      </p:pic>
+      <p:sp>
+        <p:nvSpPr>
+          <p:cNvPr id="6" name="Oval 5">
+            <a:extLst>
+              <a:ext uri="{FF2B5EF4-FFF2-40B4-BE49-F238E27FC236}">
+                <a16:creationId xmlns:a16="http://schemas.microsoft.com/office/drawing/2014/main" id="{9E6D8189-CF63-2B86-DC17-9E575A2F9CE4}"/>
+              </a:ext>
+            </a:extLst>
+          </p:cNvPr>
+          <p:cNvSpPr/>
+          <p:nvPr/>
+        </p:nvSpPr>
+        <p:spPr>
+          <a:xfrm>
+            <a:off x="8632166" y="1869057"/>
+            <a:ext cx="2482618" cy="805132"/>
+          </a:xfrm>
+          <a:prstGeom prst="ellipse">
+            <a:avLst/>
+          </a:prstGeom>
+          <a:noFill/>
+          <a:ln w="28575">
+            <a:solidFill>
+              <a:schemeClr val="accent2">
+                <a:lumMod val="75000"/>
+              </a:schemeClr>
+            </a:solidFill>
+          </a:ln>
+        </p:spPr>
+        <p:style>
+          <a:lnRef idx="2">
+            <a:schemeClr val="accent1">
+              <a:shade val="15000"/>
+            </a:schemeClr>
+          </a:lnRef>
+          <a:fillRef idx="1">
+            <a:schemeClr val="accent1"/>
+          </a:fillRef>
+          <a:effectRef idx="0">
+            <a:schemeClr val="accent1"/>
+          </a:effectRef>
+          <a:fontRef idx="minor">
+            <a:schemeClr val="lt1"/>
+          </a:fontRef>
+        </p:style>
+        <p:txBody>
+          <a:bodyPr rtlCol="0" anchor="ctr"/>
+          <a:lstStyle/>
+          <a:p>
+            <a:pPr algn="ctr"/>
+            <a:endParaRPr lang="en-US"/>
+          </a:p>
+        </p:txBody>
+      </p:sp>
+      <p:sp>
+        <p:nvSpPr>
+          <p:cNvPr id="7" name="Arrow: Left 6">
+            <a:extLst>
+              <a:ext uri="{FF2B5EF4-FFF2-40B4-BE49-F238E27FC236}">
+                <a16:creationId xmlns:a16="http://schemas.microsoft.com/office/drawing/2014/main" id="{DFF444B9-0460-89F7-6F17-D8FD4C7EE477}"/>
+              </a:ext>
+            </a:extLst>
+          </p:cNvPr>
+          <p:cNvSpPr/>
+          <p:nvPr/>
+        </p:nvSpPr>
+        <p:spPr>
+          <a:xfrm rot="2247223">
+            <a:off x="9213011" y="2558960"/>
+            <a:ext cx="1081178" cy="500332"/>
+          </a:xfrm>
+          <a:prstGeom prst="leftArrow">
+            <a:avLst/>
+          </a:prstGeom>
+        </p:spPr>
+        <p:style>
+          <a:lnRef idx="2">
+            <a:schemeClr val="accent1">
+              <a:shade val="15000"/>
+            </a:schemeClr>
+          </a:lnRef>
+          <a:fillRef idx="1">
+            <a:schemeClr val="accent1"/>
+          </a:fillRef>
+          <a:effectRef idx="0">
+            <a:schemeClr val="accent1"/>
+          </a:effectRef>
+          <a:fontRef idx="minor">
+            <a:schemeClr val="lt1"/>
+          </a:fontRef>
+        </p:style>
+        <p:txBody>
+          <a:bodyPr rtlCol="0" anchor="ctr"/>
+          <a:lstStyle/>
+          <a:p>
+            <a:pPr algn="ctr"/>
+            <a:endParaRPr lang="en-US"/>
           </a:p>
         </p:txBody>
       </p:sp>
@@ -4823,9 +6707,16 @@
             <p:ph idx="1"/>
           </p:nvPr>
         </p:nvSpPr>
-        <p:spPr/>
-        <p:txBody>
-          <a:bodyPr/>
+        <p:spPr>
+          <a:xfrm>
+            <a:off x="504646" y="2207883"/>
+            <a:ext cx="7598434" cy="4351338"/>
+          </a:xfrm>
+        </p:spPr>
+        <p:txBody>
+          <a:bodyPr>
+            <a:normAutofit fontScale="85000" lnSpcReduction="10000"/>
+          </a:bodyPr>
           <a:lstStyle/>
           <a:p>
             <a:r>
@@ -4841,6 +6732,21 @@
             </a:r>
           </a:p>
           <a:p>
+            <a:pPr lvl="1"/>
+            <a:r>
+              <a:rPr lang="en-US" dirty="0"/>
+              <a:t>Pro-tip: Try typing Ctrl-Shift-P, then “</a:t>
+            </a:r>
+            <a:r>
+              <a:rPr lang="en-US" dirty="0" err="1"/>
+              <a:t>cre</a:t>
+            </a:r>
+            <a:r>
+              <a:rPr lang="en-US" dirty="0"/>
+              <a:t> env”</a:t>
+            </a:r>
+          </a:p>
+          <a:p>
             <a:r>
               <a:rPr lang="en-US" dirty="0"/>
               <a:t>Open PowerShell</a:t>
@@ -4849,22 +6755,69 @@
           <a:p>
             <a:pPr lvl="1"/>
             <a:r>
+              <a:rPr lang="en-US" b="1" dirty="0">
+                <a:solidFill>
+                  <a:srgbClr val="00B050"/>
+                </a:solidFill>
+                <a:highlight>
+                  <a:srgbClr val="000000"/>
+                </a:highlight>
+                <a:latin typeface="Consolas" panose="020B0609020204030204" pitchFamily="49" charset="0"/>
+              </a:rPr>
+              <a:t>Set-</a:t>
+            </a:r>
+            <a:r>
+              <a:rPr lang="en-US" b="1" dirty="0" err="1">
+                <a:solidFill>
+                  <a:srgbClr val="00B050"/>
+                </a:solidFill>
+                <a:highlight>
+                  <a:srgbClr val="000000"/>
+                </a:highlight>
+                <a:latin typeface="Consolas" panose="020B0609020204030204" pitchFamily="49" charset="0"/>
+              </a:rPr>
+              <a:t>ExecutionPolicy</a:t>
+            </a:r>
+            <a:r>
+              <a:rPr lang="en-US" b="1" dirty="0">
+                <a:solidFill>
+                  <a:srgbClr val="00B050"/>
+                </a:solidFill>
+                <a:highlight>
+                  <a:srgbClr val="000000"/>
+                </a:highlight>
+                <a:latin typeface="Consolas" panose="020B0609020204030204" pitchFamily="49" charset="0"/>
+              </a:rPr>
+              <a:t> </a:t>
+            </a:r>
+            <a:r>
+              <a:rPr lang="en-US" b="1" dirty="0" err="1">
+                <a:solidFill>
+                  <a:srgbClr val="00B050"/>
+                </a:solidFill>
+                <a:highlight>
+                  <a:srgbClr val="000000"/>
+                </a:highlight>
+                <a:latin typeface="Consolas" panose="020B0609020204030204" pitchFamily="49" charset="0"/>
+              </a:rPr>
+              <a:t>RemoteSigned</a:t>
+            </a:r>
+            <a:endParaRPr lang="en-US" b="1" dirty="0">
+              <a:solidFill>
+                <a:srgbClr val="00B050"/>
+              </a:solidFill>
+              <a:highlight>
+                <a:srgbClr val="000000"/>
+              </a:highlight>
+              <a:latin typeface="Consolas" panose="020B0609020204030204" pitchFamily="49" charset="0"/>
+            </a:endParaRPr>
+          </a:p>
+          <a:p>
+            <a:pPr lvl="1"/>
+            <a:r>
               <a:rPr lang="en-US" dirty="0"/>
-              <a:t>Set-</a:t>
-            </a:r>
-            <a:r>
-              <a:rPr lang="en-US" dirty="0" err="1"/>
-              <a:t>ExecutionPolicy</a:t>
-            </a:r>
-            <a:r>
-              <a:rPr lang="en-US" dirty="0"/>
-              <a:t> </a:t>
-            </a:r>
-            <a:r>
-              <a:rPr lang="en-US" dirty="0" err="1"/>
-              <a:t>RemoteSigned</a:t>
-            </a:r>
-            <a:endParaRPr lang="en-US" dirty="0"/>
+              <a:t>Pro-tip: Just type “set-ex” and then hit Tab, then type “re” and then hit Tab</a:t>
+            </a:r>
           </a:p>
           <a:p>
             <a:pPr lvl="1"/>
@@ -4876,6 +6829,12 @@
           <a:p>
             <a:r>
               <a:rPr lang="en-US" dirty="0"/>
+              <a:t>Restart VS Code</a:t>
+            </a:r>
+          </a:p>
+          <a:p>
+            <a:r>
+              <a:rPr lang="en-US" dirty="0"/>
               <a:t>Open a new terminal with ctrl-shift-`  or Ctrl-Shift-P &gt; Create Terminal and make sure it is in the python virtual environment. It will start with a green "(.</a:t>
             </a:r>
             <a:r>
@@ -4889,6 +6848,83 @@
           </a:p>
         </p:txBody>
       </p:sp>
+      <p:pic>
+        <p:nvPicPr>
+          <p:cNvPr id="1026" name="Picture 2" descr="Quel est la touche tilde ? – InfinitusGO — Technologie, Innovation ...">
+            <a:extLst>
+              <a:ext uri="{FF2B5EF4-FFF2-40B4-BE49-F238E27FC236}">
+                <a16:creationId xmlns:a16="http://schemas.microsoft.com/office/drawing/2014/main" id="{7BA7354A-F15E-D4B6-19F1-CC0DD88FCD55}"/>
+              </a:ext>
+            </a:extLst>
+          </p:cNvPr>
+          <p:cNvPicPr>
+            <a:picLocks noChangeAspect="1" noChangeArrowheads="1"/>
+          </p:cNvPicPr>
+          <p:nvPr/>
+        </p:nvPicPr>
+        <p:blipFill>
+          <a:blip r:embed="rId2">
+            <a:extLst>
+              <a:ext uri="{28A0092B-C50C-407E-A947-70E740481C1C}">
+                <a14:useLocalDpi xmlns:a14="http://schemas.microsoft.com/office/drawing/2010/main" val="0"/>
+              </a:ext>
+            </a:extLst>
+          </a:blip>
+          <a:srcRect/>
+          <a:stretch>
+            <a:fillRect/>
+          </a:stretch>
+        </p:blipFill>
+        <p:spPr bwMode="auto">
+          <a:xfrm>
+            <a:off x="8607307" y="4203940"/>
+            <a:ext cx="3351960" cy="2355281"/>
+          </a:xfrm>
+          <a:prstGeom prst="rect">
+            <a:avLst/>
+          </a:prstGeom>
+          <a:noFill/>
+          <a:extLst>
+            <a:ext uri="{909E8E84-426E-40DD-AFC4-6F175D3DCCD1}">
+              <a14:hiddenFill xmlns:a14="http://schemas.microsoft.com/office/drawing/2010/main">
+                <a:solidFill>
+                  <a:srgbClr val="FFFFFF"/>
+                </a:solidFill>
+              </a14:hiddenFill>
+            </a:ext>
+          </a:extLst>
+        </p:spPr>
+      </p:pic>
+      <p:pic>
+        <p:nvPicPr>
+          <p:cNvPr id="5" name="Picture 4">
+            <a:extLst>
+              <a:ext uri="{FF2B5EF4-FFF2-40B4-BE49-F238E27FC236}">
+                <a16:creationId xmlns:a16="http://schemas.microsoft.com/office/drawing/2014/main" id="{ACBF865D-944B-E6AC-9ABD-6379E4DF02DF}"/>
+              </a:ext>
+            </a:extLst>
+          </p:cNvPr>
+          <p:cNvPicPr>
+            <a:picLocks noChangeAspect="1"/>
+          </p:cNvPicPr>
+          <p:nvPr/>
+        </p:nvPicPr>
+        <p:blipFill>
+          <a:blip r:embed="rId3"/>
+          <a:stretch>
+            <a:fillRect/>
+          </a:stretch>
+        </p:blipFill>
+        <p:spPr>
+          <a:xfrm>
+            <a:off x="6258850" y="1457676"/>
+            <a:ext cx="5622650" cy="993092"/>
+          </a:xfrm>
+          <a:prstGeom prst="rect">
+            <a:avLst/>
+          </a:prstGeom>
+        </p:spPr>
+      </p:pic>
     </p:spTree>
     <p:extLst>
       <p:ext uri="{BB962C8B-B14F-4D97-AF65-F5344CB8AC3E}">
@@ -4969,7 +7005,14 @@
           <a:lstStyle/>
           <a:p>
             <a:r>
-              <a:rPr lang="en-US" dirty="0"/>
+              <a:rPr lang="en-US" dirty="0">
+                <a:solidFill>
+                  <a:srgbClr val="00B050"/>
+                </a:solidFill>
+                <a:highlight>
+                  <a:srgbClr val="000000"/>
+                </a:highlight>
+              </a:rPr>
               <a:t>pip install -r .\requirements.txt </a:t>
             </a:r>
           </a:p>
@@ -4998,29 +7041,71 @@
           </a:p>
           <a:p>
             <a:r>
-              <a:rPr lang="en-US" dirty="0"/>
+              <a:rPr lang="en-US" dirty="0">
+                <a:solidFill>
+                  <a:srgbClr val="00B050"/>
+                </a:solidFill>
+                <a:highlight>
+                  <a:srgbClr val="000000"/>
+                </a:highlight>
+              </a:rPr>
               <a:t>git config --global user.name “</a:t>
             </a:r>
             <a:r>
-              <a:rPr lang="en-US" dirty="0" err="1"/>
+              <a:rPr lang="en-US" dirty="0" err="1">
+                <a:solidFill>
+                  <a:srgbClr val="00B050"/>
+                </a:solidFill>
+                <a:highlight>
+                  <a:srgbClr val="000000"/>
+                </a:highlight>
+              </a:rPr>
               <a:t>YourName</a:t>
             </a:r>
             <a:r>
-              <a:rPr lang="en-US" dirty="0"/>
+              <a:rPr lang="en-US" dirty="0">
+                <a:solidFill>
+                  <a:srgbClr val="00B050"/>
+                </a:solidFill>
+                <a:highlight>
+                  <a:srgbClr val="000000"/>
+                </a:highlight>
+              </a:rPr>
               <a:t>"</a:t>
             </a:r>
           </a:p>
           <a:p>
             <a:r>
-              <a:rPr lang="en-US" dirty="0"/>
+              <a:rPr lang="en-US" dirty="0">
+                <a:solidFill>
+                  <a:srgbClr val="00B050"/>
+                </a:solidFill>
+                <a:highlight>
+                  <a:srgbClr val="000000"/>
+                </a:highlight>
+              </a:rPr>
               <a:t>git config --global </a:t>
             </a:r>
             <a:r>
-              <a:rPr lang="en-US" dirty="0" err="1"/>
+              <a:rPr lang="en-US" dirty="0" err="1">
+                <a:solidFill>
+                  <a:srgbClr val="00B050"/>
+                </a:solidFill>
+                <a:highlight>
+                  <a:srgbClr val="000000"/>
+                </a:highlight>
+              </a:rPr>
               <a:t>user.email</a:t>
             </a:r>
             <a:r>
-              <a:rPr lang="en-US" dirty="0"/>
+              <a:rPr lang="en-US" dirty="0">
+                <a:solidFill>
+                  <a:srgbClr val="00B050"/>
+                </a:solidFill>
+                <a:highlight>
+                  <a:srgbClr val="000000"/>
+                </a:highlight>
+              </a:rPr>
               <a:t> “yourEmail@example.com"</a:t>
             </a:r>
           </a:p>
@@ -5045,6 +7130,14 @@
 <file path=ppt/slides/slide9.xml><?xml version="1.0" encoding="utf-8"?>
 <p:sld xmlns:a="http://schemas.openxmlformats.org/drawingml/2006/main" xmlns:r="http://schemas.openxmlformats.org/officeDocument/2006/relationships" xmlns:p="http://schemas.openxmlformats.org/presentationml/2006/main">
   <p:cSld>
+    <p:bg>
+      <p:bgPr>
+        <a:solidFill>
+          <a:schemeClr val="bg1"/>
+        </a:solidFill>
+        <a:effectLst/>
+      </p:bgPr>
+    </p:bg>
     <p:spTree>
       <p:nvGrpSpPr>
         <p:cNvPr id="1" name=""/>
@@ -5059,6 +7152,66 @@
           <a:chExt cx="0" cy="0"/>
         </a:xfrm>
       </p:grpSpPr>
+      <p:sp useBgFill="1">
+        <p:nvSpPr>
+          <p:cNvPr id="10" name="Rectangle 9">
+            <a:extLst>
+              <a:ext uri="{FF2B5EF4-FFF2-40B4-BE49-F238E27FC236}">
+                <a16:creationId xmlns:a16="http://schemas.microsoft.com/office/drawing/2014/main" id="{2B97F24A-32CE-4C1C-A50D-3016B394DCFB}"/>
+              </a:ext>
+              <a:ext uri="{C183D7F6-B498-43B3-948B-1728B52AA6E4}">
+                <adec:decorative xmlns:adec="http://schemas.microsoft.com/office/drawing/2017/decorative" val="1"/>
+              </a:ext>
+            </a:extLst>
+          </p:cNvPr>
+          <p:cNvSpPr>
+            <a:spLocks noGrp="1" noRot="1" noChangeAspect="1" noMove="1" noResize="1" noEditPoints="1" noAdjustHandles="1" noChangeArrowheads="1" noChangeShapeType="1" noTextEdit="1"/>
+          </p:cNvSpPr>
+          <p:nvPr>
+            <p:extLst>
+              <p:ext uri="{386F3935-93C4-4BCD-93E2-E3B085C9AB24}">
+                <p16:designElem xmlns:p16="http://schemas.microsoft.com/office/powerpoint/2015/main" val="1"/>
+              </p:ext>
+            </p:extLst>
+          </p:nvPr>
+        </p:nvSpPr>
+        <p:spPr>
+          <a:xfrm>
+            <a:off x="0" y="0"/>
+            <a:ext cx="12192000" cy="6858000"/>
+          </a:xfrm>
+          <a:prstGeom prst="rect">
+            <a:avLst/>
+          </a:prstGeom>
+          <a:ln>
+            <a:noFill/>
+          </a:ln>
+        </p:spPr>
+        <p:style>
+          <a:lnRef idx="2">
+            <a:schemeClr val="accent1">
+              <a:shade val="50000"/>
+            </a:schemeClr>
+          </a:lnRef>
+          <a:fillRef idx="1">
+            <a:schemeClr val="accent1"/>
+          </a:fillRef>
+          <a:effectRef idx="0">
+            <a:schemeClr val="accent1"/>
+          </a:effectRef>
+          <a:fontRef idx="minor">
+            <a:schemeClr val="lt1"/>
+          </a:fontRef>
+        </p:style>
+        <p:txBody>
+          <a:bodyPr rtlCol="0" anchor="ctr"/>
+          <a:lstStyle/>
+          <a:p>
+            <a:pPr algn="ctr"/>
+            <a:endParaRPr lang="en-US"/>
+          </a:p>
+        </p:txBody>
+      </p:sp>
       <p:sp>
         <p:nvSpPr>
           <p:cNvPr id="2" name="Title 1">
@@ -5075,13 +7228,20 @@
             <p:ph type="title"/>
           </p:nvPr>
         </p:nvSpPr>
-        <p:spPr/>
-        <p:txBody>
-          <a:bodyPr/>
-          <a:lstStyle/>
-          <a:p>
-            <a:r>
-              <a:rPr lang="en-US" dirty="0"/>
+        <p:spPr>
+          <a:xfrm>
+            <a:off x="630936" y="639520"/>
+            <a:ext cx="3429000" cy="1719072"/>
+          </a:xfrm>
+        </p:spPr>
+        <p:txBody>
+          <a:bodyPr anchor="b">
+            <a:normAutofit/>
+          </a:bodyPr>
+          <a:lstStyle/>
+          <a:p>
+            <a:r>
+              <a:rPr lang="en-US" sz="4200"/>
               <a:t>Step 8. Create Test File</a:t>
             </a:r>
           </a:p>
@@ -5089,6 +7249,279 @@
       </p:sp>
       <p:sp>
         <p:nvSpPr>
+          <p:cNvPr id="12" name="sketch line">
+            <a:extLst>
+              <a:ext uri="{FF2B5EF4-FFF2-40B4-BE49-F238E27FC236}">
+                <a16:creationId xmlns:a16="http://schemas.microsoft.com/office/drawing/2014/main" id="{CD8B4F24-440B-49E9-B85D-733523DC064B}"/>
+              </a:ext>
+              <a:ext uri="{C183D7F6-B498-43B3-948B-1728B52AA6E4}">
+                <adec:decorative xmlns:adec="http://schemas.microsoft.com/office/drawing/2017/decorative" val="1"/>
+              </a:ext>
+            </a:extLst>
+          </p:cNvPr>
+          <p:cNvSpPr>
+            <a:spLocks noGrp="1" noRot="1" noChangeAspect="1" noMove="1" noResize="1" noEditPoints="1" noAdjustHandles="1" noChangeArrowheads="1" noChangeShapeType="1" noTextEdit="1"/>
+          </p:cNvSpPr>
+          <p:nvPr>
+            <p:extLst>
+              <p:ext uri="{386F3935-93C4-4BCD-93E2-E3B085C9AB24}">
+                <p16:designElem xmlns:p16="http://schemas.microsoft.com/office/powerpoint/2015/main" val="1"/>
+              </p:ext>
+            </p:extLst>
+          </p:nvPr>
+        </p:nvSpPr>
+        <p:spPr>
+          <a:xfrm>
+            <a:off x="643278" y="2573756"/>
+            <a:ext cx="3255095" cy="18288"/>
+          </a:xfrm>
+          <a:custGeom>
+            <a:avLst/>
+            <a:gdLst>
+              <a:gd name="connsiteX0" fmla="*/ 0 w 3255095"/>
+              <a:gd name="connsiteY0" fmla="*/ 0 h 18288"/>
+              <a:gd name="connsiteX1" fmla="*/ 618468 w 3255095"/>
+              <a:gd name="connsiteY1" fmla="*/ 0 h 18288"/>
+              <a:gd name="connsiteX2" fmla="*/ 1269487 w 3255095"/>
+              <a:gd name="connsiteY2" fmla="*/ 0 h 18288"/>
+              <a:gd name="connsiteX3" fmla="*/ 1953057 w 3255095"/>
+              <a:gd name="connsiteY3" fmla="*/ 0 h 18288"/>
+              <a:gd name="connsiteX4" fmla="*/ 2636627 w 3255095"/>
+              <a:gd name="connsiteY4" fmla="*/ 0 h 18288"/>
+              <a:gd name="connsiteX5" fmla="*/ 3255095 w 3255095"/>
+              <a:gd name="connsiteY5" fmla="*/ 0 h 18288"/>
+              <a:gd name="connsiteX6" fmla="*/ 3255095 w 3255095"/>
+              <a:gd name="connsiteY6" fmla="*/ 18288 h 18288"/>
+              <a:gd name="connsiteX7" fmla="*/ 2538974 w 3255095"/>
+              <a:gd name="connsiteY7" fmla="*/ 18288 h 18288"/>
+              <a:gd name="connsiteX8" fmla="*/ 1822853 w 3255095"/>
+              <a:gd name="connsiteY8" fmla="*/ 18288 h 18288"/>
+              <a:gd name="connsiteX9" fmla="*/ 1171834 w 3255095"/>
+              <a:gd name="connsiteY9" fmla="*/ 18288 h 18288"/>
+              <a:gd name="connsiteX10" fmla="*/ 0 w 3255095"/>
+              <a:gd name="connsiteY10" fmla="*/ 18288 h 18288"/>
+              <a:gd name="connsiteX11" fmla="*/ 0 w 3255095"/>
+              <a:gd name="connsiteY11" fmla="*/ 0 h 18288"/>
+            </a:gdLst>
+            <a:ahLst/>
+            <a:cxnLst>
+              <a:cxn ang="0">
+                <a:pos x="connsiteX0" y="connsiteY0"/>
+              </a:cxn>
+              <a:cxn ang="0">
+                <a:pos x="connsiteX1" y="connsiteY1"/>
+              </a:cxn>
+              <a:cxn ang="0">
+                <a:pos x="connsiteX2" y="connsiteY2"/>
+              </a:cxn>
+              <a:cxn ang="0">
+                <a:pos x="connsiteX3" y="connsiteY3"/>
+              </a:cxn>
+              <a:cxn ang="0">
+                <a:pos x="connsiteX4" y="connsiteY4"/>
+              </a:cxn>
+              <a:cxn ang="0">
+                <a:pos x="connsiteX5" y="connsiteY5"/>
+              </a:cxn>
+              <a:cxn ang="0">
+                <a:pos x="connsiteX6" y="connsiteY6"/>
+              </a:cxn>
+              <a:cxn ang="0">
+                <a:pos x="connsiteX7" y="connsiteY7"/>
+              </a:cxn>
+              <a:cxn ang="0">
+                <a:pos x="connsiteX8" y="connsiteY8"/>
+              </a:cxn>
+              <a:cxn ang="0">
+                <a:pos x="connsiteX9" y="connsiteY9"/>
+              </a:cxn>
+              <a:cxn ang="0">
+                <a:pos x="connsiteX10" y="connsiteY10"/>
+              </a:cxn>
+              <a:cxn ang="0">
+                <a:pos x="connsiteX11" y="connsiteY11"/>
+              </a:cxn>
+            </a:cxnLst>
+            <a:rect l="l" t="t" r="r" b="b"/>
+            <a:pathLst>
+              <a:path w="3255095" h="18288" fill="none" extrusionOk="0">
+                <a:moveTo>
+                  <a:pt x="0" y="0"/>
+                </a:moveTo>
+                <a:cubicBezTo>
+                  <a:pt x="240201" y="-22123"/>
+                  <a:pt x="462021" y="-19623"/>
+                  <a:pt x="618468" y="0"/>
+                </a:cubicBezTo>
+                <a:cubicBezTo>
+                  <a:pt x="774915" y="19623"/>
+                  <a:pt x="974734" y="2035"/>
+                  <a:pt x="1269487" y="0"/>
+                </a:cubicBezTo>
+                <a:cubicBezTo>
+                  <a:pt x="1564240" y="-2035"/>
+                  <a:pt x="1733579" y="10639"/>
+                  <a:pt x="1953057" y="0"/>
+                </a:cubicBezTo>
+                <a:cubicBezTo>
+                  <a:pt x="2172535" y="-10639"/>
+                  <a:pt x="2453962" y="14018"/>
+                  <a:pt x="2636627" y="0"/>
+                </a:cubicBezTo>
+                <a:cubicBezTo>
+                  <a:pt x="2819292" y="-14018"/>
+                  <a:pt x="3121375" y="5399"/>
+                  <a:pt x="3255095" y="0"/>
+                </a:cubicBezTo>
+                <a:cubicBezTo>
+                  <a:pt x="3254386" y="8157"/>
+                  <a:pt x="3254682" y="12125"/>
+                  <a:pt x="3255095" y="18288"/>
+                </a:cubicBezTo>
+                <a:cubicBezTo>
+                  <a:pt x="3088545" y="23203"/>
+                  <a:pt x="2687475" y="7419"/>
+                  <a:pt x="2538974" y="18288"/>
+                </a:cubicBezTo>
+                <a:cubicBezTo>
+                  <a:pt x="2390473" y="29157"/>
+                  <a:pt x="2137381" y="-8959"/>
+                  <a:pt x="1822853" y="18288"/>
+                </a:cubicBezTo>
+                <a:cubicBezTo>
+                  <a:pt x="1508325" y="45535"/>
+                  <a:pt x="1466437" y="20385"/>
+                  <a:pt x="1171834" y="18288"/>
+                </a:cubicBezTo>
+                <a:cubicBezTo>
+                  <a:pt x="877231" y="16191"/>
+                  <a:pt x="561097" y="37643"/>
+                  <a:pt x="0" y="18288"/>
+                </a:cubicBezTo>
+                <a:cubicBezTo>
+                  <a:pt x="-46" y="12483"/>
+                  <a:pt x="-203" y="6491"/>
+                  <a:pt x="0" y="0"/>
+                </a:cubicBezTo>
+                <a:close/>
+              </a:path>
+              <a:path w="3255095" h="18288" stroke="0" extrusionOk="0">
+                <a:moveTo>
+                  <a:pt x="0" y="0"/>
+                </a:moveTo>
+                <a:cubicBezTo>
+                  <a:pt x="291965" y="19429"/>
+                  <a:pt x="363155" y="8568"/>
+                  <a:pt x="618468" y="0"/>
+                </a:cubicBezTo>
+                <a:cubicBezTo>
+                  <a:pt x="873781" y="-8568"/>
+                  <a:pt x="904459" y="-19505"/>
+                  <a:pt x="1171834" y="0"/>
+                </a:cubicBezTo>
+                <a:cubicBezTo>
+                  <a:pt x="1439209" y="19505"/>
+                  <a:pt x="1744369" y="9790"/>
+                  <a:pt x="1887955" y="0"/>
+                </a:cubicBezTo>
+                <a:cubicBezTo>
+                  <a:pt x="2031541" y="-9790"/>
+                  <a:pt x="2346378" y="21240"/>
+                  <a:pt x="2506423" y="0"/>
+                </a:cubicBezTo>
+                <a:cubicBezTo>
+                  <a:pt x="2666468" y="-21240"/>
+                  <a:pt x="2990257" y="30414"/>
+                  <a:pt x="3255095" y="0"/>
+                </a:cubicBezTo>
+                <a:cubicBezTo>
+                  <a:pt x="3254831" y="4493"/>
+                  <a:pt x="3255479" y="9472"/>
+                  <a:pt x="3255095" y="18288"/>
+                </a:cubicBezTo>
+                <a:cubicBezTo>
+                  <a:pt x="3120743" y="16690"/>
+                  <a:pt x="2759628" y="42462"/>
+                  <a:pt x="2604076" y="18288"/>
+                </a:cubicBezTo>
+                <a:cubicBezTo>
+                  <a:pt x="2448524" y="-5886"/>
+                  <a:pt x="2184336" y="19599"/>
+                  <a:pt x="1887955" y="18288"/>
+                </a:cubicBezTo>
+                <a:cubicBezTo>
+                  <a:pt x="1591574" y="16977"/>
+                  <a:pt x="1548845" y="6870"/>
+                  <a:pt x="1334589" y="18288"/>
+                </a:cubicBezTo>
+                <a:cubicBezTo>
+                  <a:pt x="1120333" y="29706"/>
+                  <a:pt x="996014" y="9662"/>
+                  <a:pt x="683570" y="18288"/>
+                </a:cubicBezTo>
+                <a:cubicBezTo>
+                  <a:pt x="371126" y="26914"/>
+                  <a:pt x="198687" y="16167"/>
+                  <a:pt x="0" y="18288"/>
+                </a:cubicBezTo>
+                <a:cubicBezTo>
+                  <a:pt x="843" y="9577"/>
+                  <a:pt x="371" y="6900"/>
+                  <a:pt x="0" y="0"/>
+                </a:cubicBezTo>
+                <a:close/>
+              </a:path>
+            </a:pathLst>
+          </a:custGeom>
+          <a:solidFill>
+            <a:schemeClr val="accent2"/>
+          </a:solidFill>
+          <a:ln w="38100" cap="rnd">
+            <a:solidFill>
+              <a:schemeClr val="accent2"/>
+            </a:solidFill>
+            <a:round/>
+            <a:extLst>
+              <a:ext uri="{C807C97D-BFC1-408E-A445-0C87EB9F89A2}">
+                <ask:lineSketchStyleProps xmlns:ask="http://schemas.microsoft.com/office/drawing/2018/sketchyshapes" sd="1219033472">
+                  <a:prstGeom prst="rect">
+                    <a:avLst/>
+                  </a:prstGeom>
+                  <ask:type>
+                    <ask:lineSketchFreehand/>
+                  </ask:type>
+                </ask:lineSketchStyleProps>
+              </a:ext>
+            </a:extLst>
+          </a:ln>
+        </p:spPr>
+        <p:style>
+          <a:lnRef idx="2">
+            <a:schemeClr val="accent1">
+              <a:shade val="50000"/>
+            </a:schemeClr>
+          </a:lnRef>
+          <a:fillRef idx="1">
+            <a:schemeClr val="accent1"/>
+          </a:fillRef>
+          <a:effectRef idx="0">
+            <a:schemeClr val="accent1"/>
+          </a:effectRef>
+          <a:fontRef idx="minor">
+            <a:schemeClr val="lt1"/>
+          </a:fontRef>
+        </p:style>
+        <p:txBody>
+          <a:bodyPr rtlCol="0" anchor="ctr"/>
+          <a:lstStyle/>
+          <a:p>
+            <a:pPr algn="ctr"/>
+            <a:endParaRPr lang="en-US"/>
+          </a:p>
+        </p:txBody>
+      </p:sp>
+      <p:sp>
+        <p:nvSpPr>
           <p:cNvPr id="3" name="Content Placeholder 2">
             <a:extLst>
               <a:ext uri="{FF2B5EF4-FFF2-40B4-BE49-F238E27FC236}">
@@ -5103,27 +7536,172 @@
             <p:ph idx="1"/>
           </p:nvPr>
         </p:nvSpPr>
-        <p:spPr/>
-        <p:txBody>
-          <a:bodyPr/>
-          <a:lstStyle/>
-          <a:p>
-            <a:r>
-              <a:rPr lang="en-US" dirty="0"/>
-              <a:t>Create a new python file, named teamMemberName-test-mission.py</a:t>
-            </a:r>
-          </a:p>
-          <a:p>
-            <a:r>
-              <a:rPr lang="en-US" dirty="0"/>
-              <a:t>Copy and paste the code below, and save it</a:t>
-            </a:r>
-          </a:p>
-          <a:p>
-            <a:r>
-              <a:rPr lang="en-US" dirty="0"/>
+        <p:spPr>
+          <a:xfrm>
+            <a:off x="630936" y="2807208"/>
+            <a:ext cx="3429000" cy="3410712"/>
+          </a:xfrm>
+        </p:spPr>
+        <p:txBody>
+          <a:bodyPr anchor="t">
+            <a:normAutofit lnSpcReduction="10000"/>
+          </a:bodyPr>
+          <a:lstStyle/>
+          <a:p>
+            <a:r>
+              <a:rPr lang="en-US" sz="1900" dirty="0"/>
+              <a:t>Create a new python file, named teamMemberName-test-mission.py. Keep it all lowercase and no spaces. It MUST end with “.</a:t>
+            </a:r>
+            <a:r>
+              <a:rPr lang="en-US" sz="1900" dirty="0" err="1"/>
+              <a:t>py</a:t>
+            </a:r>
+            <a:r>
+              <a:rPr lang="en-US" sz="1900" dirty="0"/>
+              <a:t>”</a:t>
+            </a:r>
+          </a:p>
+          <a:p>
+            <a:r>
+              <a:rPr lang="en-US" sz="1900" dirty="0"/>
+              <a:t>Copy and paste the code from the team </a:t>
+            </a:r>
+            <a:r>
+              <a:rPr lang="en-US" sz="1900" dirty="0" err="1"/>
+              <a:t>github</a:t>
+            </a:r>
+            <a:r>
+              <a:rPr lang="en-US" sz="1900" dirty="0"/>
+              <a:t> page, and save it</a:t>
+            </a:r>
+          </a:p>
+          <a:p>
+            <a:r>
+              <a:rPr lang="en-US" sz="1900" dirty="0"/>
               <a:t>Note that after saving the file, the python Black Formatter should correct the "incorrect" spacing around the equals signs and commas.</a:t>
             </a:r>
+          </a:p>
+        </p:txBody>
+      </p:sp>
+      <p:pic>
+        <p:nvPicPr>
+          <p:cNvPr id="5" name="Picture 4">
+            <a:extLst>
+              <a:ext uri="{FF2B5EF4-FFF2-40B4-BE49-F238E27FC236}">
+                <a16:creationId xmlns:a16="http://schemas.microsoft.com/office/drawing/2014/main" id="{ABA671B5-801E-E52B-A98D-AF3B359CDA68}"/>
+              </a:ext>
+            </a:extLst>
+          </p:cNvPr>
+          <p:cNvPicPr>
+            <a:picLocks noChangeAspect="1"/>
+          </p:cNvPicPr>
+          <p:nvPr/>
+        </p:nvPicPr>
+        <p:blipFill>
+          <a:blip r:embed="rId2"/>
+          <a:stretch>
+            <a:fillRect/>
+          </a:stretch>
+        </p:blipFill>
+        <p:spPr>
+          <a:xfrm>
+            <a:off x="4766132" y="640080"/>
+            <a:ext cx="6680048" cy="5577840"/>
+          </a:xfrm>
+          <a:prstGeom prst="rect">
+            <a:avLst/>
+          </a:prstGeom>
+        </p:spPr>
+      </p:pic>
+      <p:sp>
+        <p:nvSpPr>
+          <p:cNvPr id="6" name="Arrow: Left 5">
+            <a:extLst>
+              <a:ext uri="{FF2B5EF4-FFF2-40B4-BE49-F238E27FC236}">
+                <a16:creationId xmlns:a16="http://schemas.microsoft.com/office/drawing/2014/main" id="{A9E15F06-DCDF-CF9B-F555-62BA46E5556D}"/>
+              </a:ext>
+            </a:extLst>
+          </p:cNvPr>
+          <p:cNvSpPr/>
+          <p:nvPr/>
+        </p:nvSpPr>
+        <p:spPr>
+          <a:xfrm rot="2247223">
+            <a:off x="5101927" y="1681730"/>
+            <a:ext cx="1081178" cy="500332"/>
+          </a:xfrm>
+          <a:prstGeom prst="leftArrow">
+            <a:avLst/>
+          </a:prstGeom>
+        </p:spPr>
+        <p:style>
+          <a:lnRef idx="2">
+            <a:schemeClr val="accent1">
+              <a:shade val="15000"/>
+            </a:schemeClr>
+          </a:lnRef>
+          <a:fillRef idx="1">
+            <a:schemeClr val="accent1"/>
+          </a:fillRef>
+          <a:effectRef idx="0">
+            <a:schemeClr val="accent1"/>
+          </a:effectRef>
+          <a:fontRef idx="minor">
+            <a:schemeClr val="lt1"/>
+          </a:fontRef>
+        </p:style>
+        <p:txBody>
+          <a:bodyPr rtlCol="0" anchor="ctr"/>
+          <a:lstStyle/>
+          <a:p>
+            <a:pPr algn="ctr"/>
+            <a:endParaRPr lang="en-US"/>
+          </a:p>
+        </p:txBody>
+      </p:sp>
+      <p:sp>
+        <p:nvSpPr>
+          <p:cNvPr id="7" name="Arrow: Left 6">
+            <a:extLst>
+              <a:ext uri="{FF2B5EF4-FFF2-40B4-BE49-F238E27FC236}">
+                <a16:creationId xmlns:a16="http://schemas.microsoft.com/office/drawing/2014/main" id="{502AF77C-0E2A-7B4D-FF5A-7762B9664E18}"/>
+              </a:ext>
+            </a:extLst>
+          </p:cNvPr>
+          <p:cNvSpPr/>
+          <p:nvPr/>
+        </p:nvSpPr>
+        <p:spPr>
+          <a:xfrm rot="19252224">
+            <a:off x="7949206" y="1154393"/>
+            <a:ext cx="1081178" cy="500332"/>
+          </a:xfrm>
+          <a:prstGeom prst="leftArrow">
+            <a:avLst/>
+          </a:prstGeom>
+        </p:spPr>
+        <p:style>
+          <a:lnRef idx="2">
+            <a:schemeClr val="accent1">
+              <a:shade val="15000"/>
+            </a:schemeClr>
+          </a:lnRef>
+          <a:fillRef idx="1">
+            <a:schemeClr val="accent1"/>
+          </a:fillRef>
+          <a:effectRef idx="0">
+            <a:schemeClr val="accent1"/>
+          </a:effectRef>
+          <a:fontRef idx="minor">
+            <a:schemeClr val="lt1"/>
+          </a:fontRef>
+        </p:style>
+        <p:txBody>
+          <a:bodyPr rtlCol="0" anchor="ctr"/>
+          <a:lstStyle/>
+          <a:p>
+            <a:pPr algn="ctr"/>
+            <a:endParaRPr lang="en-US"/>
           </a:p>
         </p:txBody>
       </p:sp>
